--- a/hw01.pptx
+++ b/hw01.pptx
@@ -1,11 +1,21 @@
 
 <file path=ppt/presentation.xml><?xml version="1.0" encoding="utf-8"?>
-<p:presentation xmlns:a="http://schemas.openxmlformats.org/drawingml/2006/main" xmlns:r="http://schemas.openxmlformats.org/officeDocument/2006/relationships" xmlns:p="http://schemas.openxmlformats.org/presentationml/2006/main" saveSubsetFonts="1">
+<p:presentation xmlns:a="http://schemas.openxmlformats.org/drawingml/2006/main" xmlns:r="http://schemas.openxmlformats.org/officeDocument/2006/relationships" xmlns:p="http://schemas.openxmlformats.org/presentationml/2006/main" saveSubsetFonts="1" autoCompressPictures="0">
   <p:sldMasterIdLst>
     <p:sldMasterId id="2147483648" r:id="rId1"/>
   </p:sldMasterIdLst>
+  <p:notesMasterIdLst>
+    <p:notesMasterId r:id="rId10"/>
+  </p:notesMasterIdLst>
   <p:sldIdLst>
-    <p:sldId id="256" r:id="rId2"/>
+    <p:sldId id="264" r:id="rId2"/>
+    <p:sldId id="256" r:id="rId3"/>
+    <p:sldId id="257" r:id="rId4"/>
+    <p:sldId id="262" r:id="rId5"/>
+    <p:sldId id="260" r:id="rId6"/>
+    <p:sldId id="258" r:id="rId7"/>
+    <p:sldId id="261" r:id="rId8"/>
+    <p:sldId id="263" r:id="rId9"/>
   </p:sldIdLst>
   <p:sldSz cx="12192000" cy="6858000"/>
   <p:notesSz cx="6858000" cy="9144000"/>
@@ -104,7 +114,569 @@
       </a:defRPr>
     </a:lvl9pPr>
   </p:defaultTextStyle>
+  <p:extLst>
+    <p:ext uri="{EFAFB233-063F-42B5-8137-9DF3F51BA10A}">
+      <p15:sldGuideLst xmlns:p15="http://schemas.microsoft.com/office/powerpoint/2012/main"/>
+    </p:ext>
+  </p:extLst>
 </p:presentation>
+</file>
+
+<file path=ppt/notesMasters/notesMaster1.xml><?xml version="1.0" encoding="utf-8"?>
+<p:notesMaster xmlns:a="http://schemas.openxmlformats.org/drawingml/2006/main" xmlns:r="http://schemas.openxmlformats.org/officeDocument/2006/relationships" xmlns:p="http://schemas.openxmlformats.org/presentationml/2006/main">
+  <p:cSld>
+    <p:bg>
+      <p:bgRef idx="1001">
+        <a:schemeClr val="bg1"/>
+      </p:bgRef>
+    </p:bg>
+    <p:spTree>
+      <p:nvGrpSpPr>
+        <p:cNvPr id="1" name=""/>
+        <p:cNvGrpSpPr/>
+        <p:nvPr/>
+      </p:nvGrpSpPr>
+      <p:grpSpPr>
+        <a:xfrm>
+          <a:off x="0" y="0"/>
+          <a:ext cx="0" cy="0"/>
+          <a:chOff x="0" y="0"/>
+          <a:chExt cx="0" cy="0"/>
+        </a:xfrm>
+      </p:grpSpPr>
+      <p:sp>
+        <p:nvSpPr>
+          <p:cNvPr id="2" name="頁首版面配置區 1"/>
+          <p:cNvSpPr>
+            <a:spLocks noGrp="1"/>
+          </p:cNvSpPr>
+          <p:nvPr>
+            <p:ph type="hdr" sz="quarter"/>
+          </p:nvPr>
+        </p:nvSpPr>
+        <p:spPr>
+          <a:xfrm>
+            <a:off x="0" y="0"/>
+            <a:ext cx="2971800" cy="458788"/>
+          </a:xfrm>
+          <a:prstGeom prst="rect">
+            <a:avLst/>
+          </a:prstGeom>
+        </p:spPr>
+        <p:txBody>
+          <a:bodyPr vert="horz" lIns="91440" tIns="45720" rIns="91440" bIns="45720" rtlCol="0"/>
+          <a:lstStyle>
+            <a:lvl1pPr algn="l">
+              <a:defRPr sz="1200"/>
+            </a:lvl1pPr>
+          </a:lstStyle>
+          <a:p>
+            <a:endParaRPr kumimoji="1" lang="zh-TW" altLang="en-US"/>
+          </a:p>
+        </p:txBody>
+      </p:sp>
+      <p:sp>
+        <p:nvSpPr>
+          <p:cNvPr id="3" name="日期版面配置區 2"/>
+          <p:cNvSpPr>
+            <a:spLocks noGrp="1"/>
+          </p:cNvSpPr>
+          <p:nvPr>
+            <p:ph type="dt" idx="1"/>
+          </p:nvPr>
+        </p:nvSpPr>
+        <p:spPr>
+          <a:xfrm>
+            <a:off x="3884613" y="0"/>
+            <a:ext cx="2971800" cy="458788"/>
+          </a:xfrm>
+          <a:prstGeom prst="rect">
+            <a:avLst/>
+          </a:prstGeom>
+        </p:spPr>
+        <p:txBody>
+          <a:bodyPr vert="horz" lIns="91440" tIns="45720" rIns="91440" bIns="45720" rtlCol="0"/>
+          <a:lstStyle>
+            <a:lvl1pPr algn="r">
+              <a:defRPr sz="1200"/>
+            </a:lvl1pPr>
+          </a:lstStyle>
+          <a:p>
+            <a:fld id="{3B675668-8875-E44B-B92F-2B5890155196}" type="datetimeFigureOut">
+              <a:rPr kumimoji="1" lang="zh-TW" altLang="en-US" smtClean="0"/>
+              <a:t>2024/10/20</a:t>
+            </a:fld>
+            <a:endParaRPr kumimoji="1" lang="zh-TW" altLang="en-US"/>
+          </a:p>
+        </p:txBody>
+      </p:sp>
+      <p:sp>
+        <p:nvSpPr>
+          <p:cNvPr id="4" name="投影片影像版面配置區 3"/>
+          <p:cNvSpPr>
+            <a:spLocks noGrp="1" noRot="1" noChangeAspect="1"/>
+          </p:cNvSpPr>
+          <p:nvPr>
+            <p:ph type="sldImg" idx="2"/>
+          </p:nvPr>
+        </p:nvSpPr>
+        <p:spPr>
+          <a:xfrm>
+            <a:off x="685800" y="1143000"/>
+            <a:ext cx="5486400" cy="3086100"/>
+          </a:xfrm>
+          <a:prstGeom prst="rect">
+            <a:avLst/>
+          </a:prstGeom>
+          <a:noFill/>
+          <a:ln w="12700">
+            <a:solidFill>
+              <a:prstClr val="black"/>
+            </a:solidFill>
+          </a:ln>
+        </p:spPr>
+        <p:txBody>
+          <a:bodyPr vert="horz" lIns="91440" tIns="45720" rIns="91440" bIns="45720" rtlCol="0" anchor="ctr"/>
+          <a:lstStyle/>
+          <a:p>
+            <a:endParaRPr lang="zh-TW" altLang="en-US"/>
+          </a:p>
+        </p:txBody>
+      </p:sp>
+      <p:sp>
+        <p:nvSpPr>
+          <p:cNvPr id="5" name="備忘稿版面配置區 4"/>
+          <p:cNvSpPr>
+            <a:spLocks noGrp="1"/>
+          </p:cNvSpPr>
+          <p:nvPr>
+            <p:ph type="body" sz="quarter" idx="3"/>
+          </p:nvPr>
+        </p:nvSpPr>
+        <p:spPr>
+          <a:xfrm>
+            <a:off x="685800" y="4400550"/>
+            <a:ext cx="5486400" cy="3600450"/>
+          </a:xfrm>
+          <a:prstGeom prst="rect">
+            <a:avLst/>
+          </a:prstGeom>
+        </p:spPr>
+        <p:txBody>
+          <a:bodyPr vert="horz" lIns="91440" tIns="45720" rIns="91440" bIns="45720" rtlCol="0"/>
+          <a:lstStyle/>
+          <a:p>
+            <a:pPr lvl="0"/>
+            <a:r>
+              <a:rPr kumimoji="1" lang="zh-TW" altLang="en-US"/>
+              <a:t>按一下以編輯母片文字樣式</a:t>
+            </a:r>
+          </a:p>
+          <a:p>
+            <a:pPr lvl="1"/>
+            <a:r>
+              <a:rPr kumimoji="1" lang="zh-TW" altLang="en-US"/>
+              <a:t>第二層</a:t>
+            </a:r>
+          </a:p>
+          <a:p>
+            <a:pPr lvl="2"/>
+            <a:r>
+              <a:rPr kumimoji="1" lang="zh-TW" altLang="en-US"/>
+              <a:t>第三層</a:t>
+            </a:r>
+          </a:p>
+          <a:p>
+            <a:pPr lvl="3"/>
+            <a:r>
+              <a:rPr kumimoji="1" lang="zh-TW" altLang="en-US"/>
+              <a:t>第四層</a:t>
+            </a:r>
+          </a:p>
+          <a:p>
+            <a:pPr lvl="4"/>
+            <a:r>
+              <a:rPr kumimoji="1" lang="zh-TW" altLang="en-US"/>
+              <a:t>第五層</a:t>
+            </a:r>
+          </a:p>
+        </p:txBody>
+      </p:sp>
+      <p:sp>
+        <p:nvSpPr>
+          <p:cNvPr id="6" name="頁尾版面配置區 5"/>
+          <p:cNvSpPr>
+            <a:spLocks noGrp="1"/>
+          </p:cNvSpPr>
+          <p:nvPr>
+            <p:ph type="ftr" sz="quarter" idx="4"/>
+          </p:nvPr>
+        </p:nvSpPr>
+        <p:spPr>
+          <a:xfrm>
+            <a:off x="0" y="8685213"/>
+            <a:ext cx="2971800" cy="458787"/>
+          </a:xfrm>
+          <a:prstGeom prst="rect">
+            <a:avLst/>
+          </a:prstGeom>
+        </p:spPr>
+        <p:txBody>
+          <a:bodyPr vert="horz" lIns="91440" tIns="45720" rIns="91440" bIns="45720" rtlCol="0" anchor="b"/>
+          <a:lstStyle>
+            <a:lvl1pPr algn="l">
+              <a:defRPr sz="1200"/>
+            </a:lvl1pPr>
+          </a:lstStyle>
+          <a:p>
+            <a:endParaRPr kumimoji="1" lang="zh-TW" altLang="en-US"/>
+          </a:p>
+        </p:txBody>
+      </p:sp>
+      <p:sp>
+        <p:nvSpPr>
+          <p:cNvPr id="7" name="投影片編號版面配置區 6"/>
+          <p:cNvSpPr>
+            <a:spLocks noGrp="1"/>
+          </p:cNvSpPr>
+          <p:nvPr>
+            <p:ph type="sldNum" sz="quarter" idx="5"/>
+          </p:nvPr>
+        </p:nvSpPr>
+        <p:spPr>
+          <a:xfrm>
+            <a:off x="3884613" y="8685213"/>
+            <a:ext cx="2971800" cy="458787"/>
+          </a:xfrm>
+          <a:prstGeom prst="rect">
+            <a:avLst/>
+          </a:prstGeom>
+        </p:spPr>
+        <p:txBody>
+          <a:bodyPr vert="horz" lIns="91440" tIns="45720" rIns="91440" bIns="45720" rtlCol="0" anchor="b"/>
+          <a:lstStyle>
+            <a:lvl1pPr algn="r">
+              <a:defRPr sz="1200"/>
+            </a:lvl1pPr>
+          </a:lstStyle>
+          <a:p>
+            <a:fld id="{D67C8588-F276-D240-8351-1296C4729DFA}" type="slidenum">
+              <a:rPr kumimoji="1" lang="zh-TW" altLang="en-US" smtClean="0"/>
+              <a:t>‹#›</a:t>
+            </a:fld>
+            <a:endParaRPr kumimoji="1" lang="zh-TW" altLang="en-US"/>
+          </a:p>
+        </p:txBody>
+      </p:sp>
+    </p:spTree>
+    <p:extLst>
+      <p:ext uri="{BB962C8B-B14F-4D97-AF65-F5344CB8AC3E}">
+        <p14:creationId xmlns:p14="http://schemas.microsoft.com/office/powerpoint/2010/main" val="2904110628"/>
+      </p:ext>
+    </p:extLst>
+  </p:cSld>
+  <p:clrMap bg1="lt1" tx1="dk1" bg2="lt2" tx2="dk2" accent1="accent1" accent2="accent2" accent3="accent3" accent4="accent4" accent5="accent5" accent6="accent6" hlink="hlink" folHlink="folHlink"/>
+  <p:notesStyle>
+    <a:lvl1pPr marL="0" algn="l" defTabSz="914400" rtl="0" eaLnBrk="1" latinLnBrk="0" hangingPunct="1">
+      <a:defRPr sz="1200" kern="1200">
+        <a:solidFill>
+          <a:schemeClr val="tx1"/>
+        </a:solidFill>
+        <a:latin typeface="+mn-lt"/>
+        <a:ea typeface="+mn-ea"/>
+        <a:cs typeface="+mn-cs"/>
+      </a:defRPr>
+    </a:lvl1pPr>
+    <a:lvl2pPr marL="457200" algn="l" defTabSz="914400" rtl="0" eaLnBrk="1" latinLnBrk="0" hangingPunct="1">
+      <a:defRPr sz="1200" kern="1200">
+        <a:solidFill>
+          <a:schemeClr val="tx1"/>
+        </a:solidFill>
+        <a:latin typeface="+mn-lt"/>
+        <a:ea typeface="+mn-ea"/>
+        <a:cs typeface="+mn-cs"/>
+      </a:defRPr>
+    </a:lvl2pPr>
+    <a:lvl3pPr marL="914400" algn="l" defTabSz="914400" rtl="0" eaLnBrk="1" latinLnBrk="0" hangingPunct="1">
+      <a:defRPr sz="1200" kern="1200">
+        <a:solidFill>
+          <a:schemeClr val="tx1"/>
+        </a:solidFill>
+        <a:latin typeface="+mn-lt"/>
+        <a:ea typeface="+mn-ea"/>
+        <a:cs typeface="+mn-cs"/>
+      </a:defRPr>
+    </a:lvl3pPr>
+    <a:lvl4pPr marL="1371600" algn="l" defTabSz="914400" rtl="0" eaLnBrk="1" latinLnBrk="0" hangingPunct="1">
+      <a:defRPr sz="1200" kern="1200">
+        <a:solidFill>
+          <a:schemeClr val="tx1"/>
+        </a:solidFill>
+        <a:latin typeface="+mn-lt"/>
+        <a:ea typeface="+mn-ea"/>
+        <a:cs typeface="+mn-cs"/>
+      </a:defRPr>
+    </a:lvl4pPr>
+    <a:lvl5pPr marL="1828800" algn="l" defTabSz="914400" rtl="0" eaLnBrk="1" latinLnBrk="0" hangingPunct="1">
+      <a:defRPr sz="1200" kern="1200">
+        <a:solidFill>
+          <a:schemeClr val="tx1"/>
+        </a:solidFill>
+        <a:latin typeface="+mn-lt"/>
+        <a:ea typeface="+mn-ea"/>
+        <a:cs typeface="+mn-cs"/>
+      </a:defRPr>
+    </a:lvl5pPr>
+    <a:lvl6pPr marL="2286000" algn="l" defTabSz="914400" rtl="0" eaLnBrk="1" latinLnBrk="0" hangingPunct="1">
+      <a:defRPr sz="1200" kern="1200">
+        <a:solidFill>
+          <a:schemeClr val="tx1"/>
+        </a:solidFill>
+        <a:latin typeface="+mn-lt"/>
+        <a:ea typeface="+mn-ea"/>
+        <a:cs typeface="+mn-cs"/>
+      </a:defRPr>
+    </a:lvl6pPr>
+    <a:lvl7pPr marL="2743200" algn="l" defTabSz="914400" rtl="0" eaLnBrk="1" latinLnBrk="0" hangingPunct="1">
+      <a:defRPr sz="1200" kern="1200">
+        <a:solidFill>
+          <a:schemeClr val="tx1"/>
+        </a:solidFill>
+        <a:latin typeface="+mn-lt"/>
+        <a:ea typeface="+mn-ea"/>
+        <a:cs typeface="+mn-cs"/>
+      </a:defRPr>
+    </a:lvl7pPr>
+    <a:lvl8pPr marL="3200400" algn="l" defTabSz="914400" rtl="0" eaLnBrk="1" latinLnBrk="0" hangingPunct="1">
+      <a:defRPr sz="1200" kern="1200">
+        <a:solidFill>
+          <a:schemeClr val="tx1"/>
+        </a:solidFill>
+        <a:latin typeface="+mn-lt"/>
+        <a:ea typeface="+mn-ea"/>
+        <a:cs typeface="+mn-cs"/>
+      </a:defRPr>
+    </a:lvl8pPr>
+    <a:lvl9pPr marL="3657600" algn="l" defTabSz="914400" rtl="0" eaLnBrk="1" latinLnBrk="0" hangingPunct="1">
+      <a:defRPr sz="1200" kern="1200">
+        <a:solidFill>
+          <a:schemeClr val="tx1"/>
+        </a:solidFill>
+        <a:latin typeface="+mn-lt"/>
+        <a:ea typeface="+mn-ea"/>
+        <a:cs typeface="+mn-cs"/>
+      </a:defRPr>
+    </a:lvl9pPr>
+  </p:notesStyle>
+</p:notesMaster>
+</file>
+
+<file path=ppt/notesSlides/notesSlide1.xml><?xml version="1.0" encoding="utf-8"?>
+<p:notes xmlns:a="http://schemas.openxmlformats.org/drawingml/2006/main" xmlns:r="http://schemas.openxmlformats.org/officeDocument/2006/relationships" xmlns:p="http://schemas.openxmlformats.org/presentationml/2006/main">
+  <p:cSld>
+    <p:spTree>
+      <p:nvGrpSpPr>
+        <p:cNvPr id="1" name=""/>
+        <p:cNvGrpSpPr/>
+        <p:nvPr/>
+      </p:nvGrpSpPr>
+      <p:grpSpPr>
+        <a:xfrm>
+          <a:off x="0" y="0"/>
+          <a:ext cx="0" cy="0"/>
+          <a:chOff x="0" y="0"/>
+          <a:chExt cx="0" cy="0"/>
+        </a:xfrm>
+      </p:grpSpPr>
+      <p:sp>
+        <p:nvSpPr>
+          <p:cNvPr id="2" name="投影片影像版面配置區 1"/>
+          <p:cNvSpPr>
+            <a:spLocks noGrp="1" noRot="1" noChangeAspect="1"/>
+          </p:cNvSpPr>
+          <p:nvPr>
+            <p:ph type="sldImg"/>
+          </p:nvPr>
+        </p:nvSpPr>
+        <p:spPr/>
+      </p:sp>
+      <p:sp>
+        <p:nvSpPr>
+          <p:cNvPr id="3" name="備忘稿版面配置區 2"/>
+          <p:cNvSpPr>
+            <a:spLocks noGrp="1"/>
+          </p:cNvSpPr>
+          <p:nvPr>
+            <p:ph type="body" idx="1"/>
+          </p:nvPr>
+        </p:nvSpPr>
+        <p:spPr/>
+        <p:txBody>
+          <a:bodyPr/>
+          <a:lstStyle/>
+          <a:p>
+            <a:r>
+              <a:rPr lang="zh-TW" altLang="en-US" b="0" i="0" dirty="0">
+                <a:solidFill>
+                  <a:srgbClr val="F2DDCC"/>
+                </a:solidFill>
+                <a:effectLst/>
+                <a:latin typeface="Ginto"/>
+              </a:rPr>
+              <a:t>大家好，我叫小魚兒，我希望成為一位歌唱家，我自幼學習鋼琴，這個志向源自於一次大學的社團課，第一次參加演出我就愛上音樂劇了。雖然我大學主修法律，但是漸漸覺得想追求自己的表演藝術。父母對我的志向多有疑慮，大多是擔心我將來無法靠我的藝術追求養活自己。我花了很大的力氣說服我的父母，他們將信將疑的同意支持我的追求，並且送我到英國學習戲劇。幫我根據這個段落生成可以代表內容的圖片（日本動漫風格），讓我可以用看圖說故事的方式講出這個故事。其中小魚兒是黑色短髮，平瀏海，穿著白色短洋裝。</a:t>
+            </a:r>
+            <a:endParaRPr kumimoji="1" lang="zh-TW" altLang="en-US" dirty="0"/>
+          </a:p>
+        </p:txBody>
+      </p:sp>
+      <p:sp>
+        <p:nvSpPr>
+          <p:cNvPr id="4" name="投影片編號版面配置區 3"/>
+          <p:cNvSpPr>
+            <a:spLocks noGrp="1"/>
+          </p:cNvSpPr>
+          <p:nvPr>
+            <p:ph type="sldNum" sz="quarter" idx="5"/>
+          </p:nvPr>
+        </p:nvSpPr>
+        <p:spPr/>
+        <p:txBody>
+          <a:bodyPr/>
+          <a:lstStyle/>
+          <a:p>
+            <a:fld id="{D67C8588-F276-D240-8351-1296C4729DFA}" type="slidenum">
+              <a:rPr kumimoji="1" lang="zh-TW" altLang="en-US" smtClean="0"/>
+              <a:t>2</a:t>
+            </a:fld>
+            <a:endParaRPr kumimoji="1" lang="zh-TW" altLang="en-US"/>
+          </a:p>
+        </p:txBody>
+      </p:sp>
+    </p:spTree>
+    <p:extLst>
+      <p:ext uri="{BB962C8B-B14F-4D97-AF65-F5344CB8AC3E}">
+        <p14:creationId xmlns:p14="http://schemas.microsoft.com/office/powerpoint/2010/main" val="349215602"/>
+      </p:ext>
+    </p:extLst>
+  </p:cSld>
+  <p:clrMapOvr>
+    <a:masterClrMapping/>
+  </p:clrMapOvr>
+</p:notes>
+</file>
+
+<file path=ppt/notesSlides/notesSlide2.xml><?xml version="1.0" encoding="utf-8"?>
+<p:notes xmlns:a="http://schemas.openxmlformats.org/drawingml/2006/main" xmlns:r="http://schemas.openxmlformats.org/officeDocument/2006/relationships" xmlns:p="http://schemas.openxmlformats.org/presentationml/2006/main">
+  <p:cSld>
+    <p:spTree>
+      <p:nvGrpSpPr>
+        <p:cNvPr id="1" name=""/>
+        <p:cNvGrpSpPr/>
+        <p:nvPr/>
+      </p:nvGrpSpPr>
+      <p:grpSpPr>
+        <a:xfrm>
+          <a:off x="0" y="0"/>
+          <a:ext cx="0" cy="0"/>
+          <a:chOff x="0" y="0"/>
+          <a:chExt cx="0" cy="0"/>
+        </a:xfrm>
+      </p:grpSpPr>
+      <p:sp>
+        <p:nvSpPr>
+          <p:cNvPr id="2" name="投影片影像版面配置區 1"/>
+          <p:cNvSpPr>
+            <a:spLocks noGrp="1" noRot="1" noChangeAspect="1"/>
+          </p:cNvSpPr>
+          <p:nvPr>
+            <p:ph type="sldImg"/>
+          </p:nvPr>
+        </p:nvSpPr>
+        <p:spPr/>
+      </p:sp>
+      <p:sp>
+        <p:nvSpPr>
+          <p:cNvPr id="3" name="備忘稿版面配置區 2"/>
+          <p:cNvSpPr>
+            <a:spLocks noGrp="1"/>
+          </p:cNvSpPr>
+          <p:nvPr>
+            <p:ph type="body" idx="1"/>
+          </p:nvPr>
+        </p:nvSpPr>
+        <p:spPr/>
+        <p:txBody>
+          <a:bodyPr/>
+          <a:lstStyle/>
+          <a:p>
+            <a:pPr marL="0" marR="0" lvl="0" indent="0" algn="l" defTabSz="914400" rtl="0" eaLnBrk="1" fontAlgn="auto" latinLnBrk="0" hangingPunct="1">
+              <a:lnSpc>
+                <a:spcPct val="100000"/>
+              </a:lnSpc>
+              <a:spcBef>
+                <a:spcPts val="0"/>
+              </a:spcBef>
+              <a:spcAft>
+                <a:spcPts val="0"/>
+              </a:spcAft>
+              <a:buClrTx/>
+              <a:buSzTx/>
+              <a:buFontTx/>
+              <a:buNone/>
+              <a:tabLst/>
+              <a:defRPr/>
+            </a:pPr>
+            <a:r>
+              <a:rPr lang="zh-TW" altLang="en-US" b="0" i="0">
+                <a:solidFill>
+                  <a:srgbClr val="F2DDCC"/>
+                </a:solidFill>
+                <a:effectLst/>
+                <a:latin typeface="Ginto"/>
+              </a:rPr>
+              <a:t>大家好，我叫小魚兒，我希望成為一位音樂劇演員，我自幼學習鋼琴，長大後接受過短暫的聲樂訓練。這個志向源自於一次大學的社團課，雖然我大學主修法律，但是漸漸覺得想追求自己的表演藝術。父母對我的志向多有疑慮，大多是擔心我將來無法靠我的藝術追求養活自己。我花了很大的力氣說服我的父母，他們將信將疑的同意支持我的追求，並且送我到英國學習戲劇。幫我根據這個段落生成可以代表內容的圖片（日本動漫風格），讓我可以用看圖說故事的方式講出這個故事。其中小魚兒是黑色短髮，平瀏海，穿著白色短洋裝。</a:t>
+            </a:r>
+            <a:endParaRPr kumimoji="1" lang="zh-TW" altLang="en-US"/>
+          </a:p>
+          <a:p>
+            <a:endParaRPr kumimoji="1" lang="zh-TW" altLang="en-US"/>
+          </a:p>
+        </p:txBody>
+      </p:sp>
+      <p:sp>
+        <p:nvSpPr>
+          <p:cNvPr id="4" name="投影片編號版面配置區 3"/>
+          <p:cNvSpPr>
+            <a:spLocks noGrp="1"/>
+          </p:cNvSpPr>
+          <p:nvPr>
+            <p:ph type="sldNum" sz="quarter" idx="5"/>
+          </p:nvPr>
+        </p:nvSpPr>
+        <p:spPr/>
+        <p:txBody>
+          <a:bodyPr/>
+          <a:lstStyle/>
+          <a:p>
+            <a:fld id="{D67C8588-F276-D240-8351-1296C4729DFA}" type="slidenum">
+              <a:rPr kumimoji="1" lang="zh-TW" altLang="en-US" smtClean="0"/>
+              <a:t>6</a:t>
+            </a:fld>
+            <a:endParaRPr kumimoji="1" lang="zh-TW" altLang="en-US"/>
+          </a:p>
+        </p:txBody>
+      </p:sp>
+    </p:spTree>
+    <p:extLst>
+      <p:ext uri="{BB962C8B-B14F-4D97-AF65-F5344CB8AC3E}">
+        <p14:creationId xmlns:p14="http://schemas.microsoft.com/office/powerpoint/2010/main" val="1225048414"/>
+      </p:ext>
+    </p:extLst>
+  </p:cSld>
+  <p:clrMapOvr>
+    <a:masterClrMapping/>
+  </p:clrMapOvr>
+</p:notes>
 </file>
 
 <file path=ppt/slideLayouts/slideLayout1.xml><?xml version="1.0" encoding="utf-8"?>
@@ -129,7 +701,7 @@
           <p:cNvPr id="2" name="標題 1">
             <a:extLst>
               <a:ext uri="{FF2B5EF4-FFF2-40B4-BE49-F238E27FC236}">
-                <a16:creationId xmlns:a16="http://schemas.microsoft.com/office/drawing/2014/main" id="{EB5CC918-B447-434E-B98E-5847BB49C259}"/>
+                <a16:creationId xmlns:a16="http://schemas.microsoft.com/office/drawing/2014/main" id="{345D3C7E-CE92-F217-5D17-004C40B0C347}"/>
               </a:ext>
             </a:extLst>
           </p:cNvPr>
@@ -155,7 +727,7 @@
           </a:lstStyle>
           <a:p>
             <a:r>
-              <a:rPr lang="zh-TW" altLang="en-US"/>
+              <a:rPr kumimoji="1" lang="zh-TW" altLang="en-US"/>
               <a:t>按一下以編輯母片標題樣式</a:t>
             </a:r>
           </a:p>
@@ -166,7 +738,7 @@
           <p:cNvPr id="3" name="副標題 2">
             <a:extLst>
               <a:ext uri="{FF2B5EF4-FFF2-40B4-BE49-F238E27FC236}">
-                <a16:creationId xmlns:a16="http://schemas.microsoft.com/office/drawing/2014/main" id="{817FCC70-CC4E-4CB6-B2CF-9FDA5AC4D346}"/>
+                <a16:creationId xmlns:a16="http://schemas.microsoft.com/office/drawing/2014/main" id="{F0F6FB3C-ECFD-5FF7-5F4D-C0C61CBE55E8}"/>
               </a:ext>
             </a:extLst>
           </p:cNvPr>
@@ -225,7 +797,7 @@
           </a:lstStyle>
           <a:p>
             <a:r>
-              <a:rPr lang="zh-TW" altLang="en-US"/>
+              <a:rPr kumimoji="1" lang="zh-TW" altLang="en-US"/>
               <a:t>按一下以編輯母片子標題樣式</a:t>
             </a:r>
           </a:p>
@@ -236,7 +808,7 @@
           <p:cNvPr id="4" name="日期版面配置區 3">
             <a:extLst>
               <a:ext uri="{FF2B5EF4-FFF2-40B4-BE49-F238E27FC236}">
-                <a16:creationId xmlns:a16="http://schemas.microsoft.com/office/drawing/2014/main" id="{BD08F018-0004-4322-AD0F-E6E740964233}"/>
+                <a16:creationId xmlns:a16="http://schemas.microsoft.com/office/drawing/2014/main" id="{FE8BA029-CB02-552D-AD28-433C6DF1AC54}"/>
               </a:ext>
             </a:extLst>
           </p:cNvPr>
@@ -252,11 +824,11 @@
           <a:bodyPr/>
           <a:lstStyle/>
           <a:p>
-            <a:fld id="{C3C90D7E-32D6-4894-AE08-7BBB3E610FC9}" type="datetimeFigureOut">
-              <a:rPr lang="zh-TW" altLang="en-US" smtClean="0"/>
-              <a:t>2024/9/16</a:t>
+            <a:fld id="{FBF90F1F-C832-2449-82A9-15A5DB8F8164}" type="datetimeFigureOut">
+              <a:rPr kumimoji="1" lang="zh-TW" altLang="en-US" smtClean="0"/>
+              <a:t>2024/10/20</a:t>
             </a:fld>
-            <a:endParaRPr lang="zh-TW" altLang="en-US"/>
+            <a:endParaRPr kumimoji="1" lang="zh-TW" altLang="en-US"/>
           </a:p>
         </p:txBody>
       </p:sp>
@@ -265,7 +837,7 @@
           <p:cNvPr id="5" name="頁尾版面配置區 4">
             <a:extLst>
               <a:ext uri="{FF2B5EF4-FFF2-40B4-BE49-F238E27FC236}">
-                <a16:creationId xmlns:a16="http://schemas.microsoft.com/office/drawing/2014/main" id="{30427B34-CB13-41C7-B2F2-CED9BDC5B595}"/>
+                <a16:creationId xmlns:a16="http://schemas.microsoft.com/office/drawing/2014/main" id="{9946D86E-CDA8-2035-EC2E-4688E69EF16D}"/>
               </a:ext>
             </a:extLst>
           </p:cNvPr>
@@ -281,7 +853,7 @@
           <a:bodyPr/>
           <a:lstStyle/>
           <a:p>
-            <a:endParaRPr lang="zh-TW" altLang="en-US"/>
+            <a:endParaRPr kumimoji="1" lang="zh-TW" altLang="en-US"/>
           </a:p>
         </p:txBody>
       </p:sp>
@@ -290,7 +862,7 @@
           <p:cNvPr id="6" name="投影片編號版面配置區 5">
             <a:extLst>
               <a:ext uri="{FF2B5EF4-FFF2-40B4-BE49-F238E27FC236}">
-                <a16:creationId xmlns:a16="http://schemas.microsoft.com/office/drawing/2014/main" id="{76FA962E-5B03-439A-928C-87366876542D}"/>
+                <a16:creationId xmlns:a16="http://schemas.microsoft.com/office/drawing/2014/main" id="{017144AA-BEC6-4354-C846-450C1246B4FB}"/>
               </a:ext>
             </a:extLst>
           </p:cNvPr>
@@ -306,18 +878,18 @@
           <a:bodyPr/>
           <a:lstStyle/>
           <a:p>
-            <a:fld id="{E31EC408-072F-4346-BD0A-D6AA5788A305}" type="slidenum">
-              <a:rPr lang="zh-TW" altLang="en-US" smtClean="0"/>
+            <a:fld id="{A2A7C4A3-7F8F-6B48-8C7B-793022AABE6B}" type="slidenum">
+              <a:rPr kumimoji="1" lang="zh-TW" altLang="en-US" smtClean="0"/>
               <a:t>‹#›</a:t>
             </a:fld>
-            <a:endParaRPr lang="zh-TW" altLang="en-US"/>
+            <a:endParaRPr kumimoji="1" lang="zh-TW" altLang="en-US"/>
           </a:p>
         </p:txBody>
       </p:sp>
     </p:spTree>
     <p:extLst>
       <p:ext uri="{BB962C8B-B14F-4D97-AF65-F5344CB8AC3E}">
-        <p14:creationId xmlns:p14="http://schemas.microsoft.com/office/powerpoint/2010/main" val="2963035110"/>
+        <p14:creationId xmlns:p14="http://schemas.microsoft.com/office/powerpoint/2010/main" val="186710586"/>
       </p:ext>
     </p:extLst>
   </p:cSld>
@@ -349,7 +921,7 @@
           <p:cNvPr id="2" name="標題 1">
             <a:extLst>
               <a:ext uri="{FF2B5EF4-FFF2-40B4-BE49-F238E27FC236}">
-                <a16:creationId xmlns:a16="http://schemas.microsoft.com/office/drawing/2014/main" id="{A02F0018-7F8E-4206-A929-07CDC6B5F34A}"/>
+                <a16:creationId xmlns:a16="http://schemas.microsoft.com/office/drawing/2014/main" id="{B2673747-EB9F-480A-9F0C-34EAD2345796}"/>
               </a:ext>
             </a:extLst>
           </p:cNvPr>
@@ -366,7 +938,7 @@
           <a:lstStyle/>
           <a:p>
             <a:r>
-              <a:rPr lang="zh-TW" altLang="en-US"/>
+              <a:rPr kumimoji="1" lang="zh-TW" altLang="en-US"/>
               <a:t>按一下以編輯母片標題樣式</a:t>
             </a:r>
           </a:p>
@@ -377,7 +949,7 @@
           <p:cNvPr id="3" name="直排文字版面配置區 2">
             <a:extLst>
               <a:ext uri="{FF2B5EF4-FFF2-40B4-BE49-F238E27FC236}">
-                <a16:creationId xmlns:a16="http://schemas.microsoft.com/office/drawing/2014/main" id="{9B801E88-34C3-4545-A358-81F5614FED64}"/>
+                <a16:creationId xmlns:a16="http://schemas.microsoft.com/office/drawing/2014/main" id="{211F9A78-B982-3A73-BAF9-D4BF412F93A2}"/>
               </a:ext>
             </a:extLst>
           </p:cNvPr>
@@ -395,35 +967,35 @@
           <a:p>
             <a:pPr lvl="0"/>
             <a:r>
-              <a:rPr lang="zh-TW" altLang="en-US"/>
+              <a:rPr kumimoji="1" lang="zh-TW" altLang="en-US"/>
               <a:t>按一下以編輯母片文字樣式</a:t>
             </a:r>
           </a:p>
           <a:p>
             <a:pPr lvl="1"/>
             <a:r>
-              <a:rPr lang="zh-TW" altLang="en-US"/>
+              <a:rPr kumimoji="1" lang="zh-TW" altLang="en-US"/>
               <a:t>第二層</a:t>
             </a:r>
           </a:p>
           <a:p>
             <a:pPr lvl="2"/>
             <a:r>
-              <a:rPr lang="zh-TW" altLang="en-US"/>
+              <a:rPr kumimoji="1" lang="zh-TW" altLang="en-US"/>
               <a:t>第三層</a:t>
             </a:r>
           </a:p>
           <a:p>
             <a:pPr lvl="3"/>
             <a:r>
-              <a:rPr lang="zh-TW" altLang="en-US"/>
+              <a:rPr kumimoji="1" lang="zh-TW" altLang="en-US"/>
               <a:t>第四層</a:t>
             </a:r>
           </a:p>
           <a:p>
             <a:pPr lvl="4"/>
             <a:r>
-              <a:rPr lang="zh-TW" altLang="en-US"/>
+              <a:rPr kumimoji="1" lang="zh-TW" altLang="en-US"/>
               <a:t>第五層</a:t>
             </a:r>
           </a:p>
@@ -434,7 +1006,7 @@
           <p:cNvPr id="4" name="日期版面配置區 3">
             <a:extLst>
               <a:ext uri="{FF2B5EF4-FFF2-40B4-BE49-F238E27FC236}">
-                <a16:creationId xmlns:a16="http://schemas.microsoft.com/office/drawing/2014/main" id="{60AFD716-8B99-4230-B55F-C8B88ECBB171}"/>
+                <a16:creationId xmlns:a16="http://schemas.microsoft.com/office/drawing/2014/main" id="{04BCAD4B-DCF7-FAAF-E324-1AF88579FAA2}"/>
               </a:ext>
             </a:extLst>
           </p:cNvPr>
@@ -450,11 +1022,11 @@
           <a:bodyPr/>
           <a:lstStyle/>
           <a:p>
-            <a:fld id="{C3C90D7E-32D6-4894-AE08-7BBB3E610FC9}" type="datetimeFigureOut">
-              <a:rPr lang="zh-TW" altLang="en-US" smtClean="0"/>
-              <a:t>2024/9/16</a:t>
+            <a:fld id="{FBF90F1F-C832-2449-82A9-15A5DB8F8164}" type="datetimeFigureOut">
+              <a:rPr kumimoji="1" lang="zh-TW" altLang="en-US" smtClean="0"/>
+              <a:t>2024/10/20</a:t>
             </a:fld>
-            <a:endParaRPr lang="zh-TW" altLang="en-US"/>
+            <a:endParaRPr kumimoji="1" lang="zh-TW" altLang="en-US"/>
           </a:p>
         </p:txBody>
       </p:sp>
@@ -463,7 +1035,7 @@
           <p:cNvPr id="5" name="頁尾版面配置區 4">
             <a:extLst>
               <a:ext uri="{FF2B5EF4-FFF2-40B4-BE49-F238E27FC236}">
-                <a16:creationId xmlns:a16="http://schemas.microsoft.com/office/drawing/2014/main" id="{EA374743-76D9-4BF8-A60C-2F50B2636A8A}"/>
+                <a16:creationId xmlns:a16="http://schemas.microsoft.com/office/drawing/2014/main" id="{740667FC-A43B-F9EA-BB67-D001A45B2C87}"/>
               </a:ext>
             </a:extLst>
           </p:cNvPr>
@@ -479,7 +1051,7 @@
           <a:bodyPr/>
           <a:lstStyle/>
           <a:p>
-            <a:endParaRPr lang="zh-TW" altLang="en-US"/>
+            <a:endParaRPr kumimoji="1" lang="zh-TW" altLang="en-US"/>
           </a:p>
         </p:txBody>
       </p:sp>
@@ -488,7 +1060,7 @@
           <p:cNvPr id="6" name="投影片編號版面配置區 5">
             <a:extLst>
               <a:ext uri="{FF2B5EF4-FFF2-40B4-BE49-F238E27FC236}">
-                <a16:creationId xmlns:a16="http://schemas.microsoft.com/office/drawing/2014/main" id="{00454594-6C11-4013-A666-A151E960EC9B}"/>
+                <a16:creationId xmlns:a16="http://schemas.microsoft.com/office/drawing/2014/main" id="{E956DF32-CB11-1D42-4AB4-A5110D5E6462}"/>
               </a:ext>
             </a:extLst>
           </p:cNvPr>
@@ -504,18 +1076,18 @@
           <a:bodyPr/>
           <a:lstStyle/>
           <a:p>
-            <a:fld id="{E31EC408-072F-4346-BD0A-D6AA5788A305}" type="slidenum">
-              <a:rPr lang="zh-TW" altLang="en-US" smtClean="0"/>
+            <a:fld id="{A2A7C4A3-7F8F-6B48-8C7B-793022AABE6B}" type="slidenum">
+              <a:rPr kumimoji="1" lang="zh-TW" altLang="en-US" smtClean="0"/>
               <a:t>‹#›</a:t>
             </a:fld>
-            <a:endParaRPr lang="zh-TW" altLang="en-US"/>
+            <a:endParaRPr kumimoji="1" lang="zh-TW" altLang="en-US"/>
           </a:p>
         </p:txBody>
       </p:sp>
     </p:spTree>
     <p:extLst>
       <p:ext uri="{BB962C8B-B14F-4D97-AF65-F5344CB8AC3E}">
-        <p14:creationId xmlns:p14="http://schemas.microsoft.com/office/powerpoint/2010/main" val="188953001"/>
+        <p14:creationId xmlns:p14="http://schemas.microsoft.com/office/powerpoint/2010/main" val="3895164859"/>
       </p:ext>
     </p:extLst>
   </p:cSld>
@@ -547,7 +1119,7 @@
           <p:cNvPr id="2" name="直排標題 1">
             <a:extLst>
               <a:ext uri="{FF2B5EF4-FFF2-40B4-BE49-F238E27FC236}">
-                <a16:creationId xmlns:a16="http://schemas.microsoft.com/office/drawing/2014/main" id="{70F760AC-E708-4605-85E2-7D0F424B3E29}"/>
+                <a16:creationId xmlns:a16="http://schemas.microsoft.com/office/drawing/2014/main" id="{E55F7E38-FB28-36E2-D6BA-1D52F563FF74}"/>
               </a:ext>
             </a:extLst>
           </p:cNvPr>
@@ -569,7 +1141,7 @@
           <a:lstStyle/>
           <a:p>
             <a:r>
-              <a:rPr lang="zh-TW" altLang="en-US"/>
+              <a:rPr kumimoji="1" lang="zh-TW" altLang="en-US"/>
               <a:t>按一下以編輯母片標題樣式</a:t>
             </a:r>
           </a:p>
@@ -580,7 +1152,7 @@
           <p:cNvPr id="3" name="直排文字版面配置區 2">
             <a:extLst>
               <a:ext uri="{FF2B5EF4-FFF2-40B4-BE49-F238E27FC236}">
-                <a16:creationId xmlns:a16="http://schemas.microsoft.com/office/drawing/2014/main" id="{84BECF48-F3B6-4D47-82A8-C6AE92EDC2F0}"/>
+                <a16:creationId xmlns:a16="http://schemas.microsoft.com/office/drawing/2014/main" id="{DC7A138D-D43A-8663-533C-A66306BF4023}"/>
               </a:ext>
             </a:extLst>
           </p:cNvPr>
@@ -603,35 +1175,35 @@
           <a:p>
             <a:pPr lvl="0"/>
             <a:r>
-              <a:rPr lang="zh-TW" altLang="en-US"/>
+              <a:rPr kumimoji="1" lang="zh-TW" altLang="en-US"/>
               <a:t>按一下以編輯母片文字樣式</a:t>
             </a:r>
           </a:p>
           <a:p>
             <a:pPr lvl="1"/>
             <a:r>
-              <a:rPr lang="zh-TW" altLang="en-US"/>
+              <a:rPr kumimoji="1" lang="zh-TW" altLang="en-US"/>
               <a:t>第二層</a:t>
             </a:r>
           </a:p>
           <a:p>
             <a:pPr lvl="2"/>
             <a:r>
-              <a:rPr lang="zh-TW" altLang="en-US"/>
+              <a:rPr kumimoji="1" lang="zh-TW" altLang="en-US"/>
               <a:t>第三層</a:t>
             </a:r>
           </a:p>
           <a:p>
             <a:pPr lvl="3"/>
             <a:r>
-              <a:rPr lang="zh-TW" altLang="en-US"/>
+              <a:rPr kumimoji="1" lang="zh-TW" altLang="en-US"/>
               <a:t>第四層</a:t>
             </a:r>
           </a:p>
           <a:p>
             <a:pPr lvl="4"/>
             <a:r>
-              <a:rPr lang="zh-TW" altLang="en-US"/>
+              <a:rPr kumimoji="1" lang="zh-TW" altLang="en-US"/>
               <a:t>第五層</a:t>
             </a:r>
           </a:p>
@@ -642,7 +1214,7 @@
           <p:cNvPr id="4" name="日期版面配置區 3">
             <a:extLst>
               <a:ext uri="{FF2B5EF4-FFF2-40B4-BE49-F238E27FC236}">
-                <a16:creationId xmlns:a16="http://schemas.microsoft.com/office/drawing/2014/main" id="{215DE52A-093E-4116-A2FE-F61BA999B89F}"/>
+                <a16:creationId xmlns:a16="http://schemas.microsoft.com/office/drawing/2014/main" id="{963F27BA-EF13-1D2B-B85A-574D830F9468}"/>
               </a:ext>
             </a:extLst>
           </p:cNvPr>
@@ -658,11 +1230,11 @@
           <a:bodyPr/>
           <a:lstStyle/>
           <a:p>
-            <a:fld id="{C3C90D7E-32D6-4894-AE08-7BBB3E610FC9}" type="datetimeFigureOut">
-              <a:rPr lang="zh-TW" altLang="en-US" smtClean="0"/>
-              <a:t>2024/9/16</a:t>
+            <a:fld id="{FBF90F1F-C832-2449-82A9-15A5DB8F8164}" type="datetimeFigureOut">
+              <a:rPr kumimoji="1" lang="zh-TW" altLang="en-US" smtClean="0"/>
+              <a:t>2024/10/20</a:t>
             </a:fld>
-            <a:endParaRPr lang="zh-TW" altLang="en-US"/>
+            <a:endParaRPr kumimoji="1" lang="zh-TW" altLang="en-US"/>
           </a:p>
         </p:txBody>
       </p:sp>
@@ -671,7 +1243,7 @@
           <p:cNvPr id="5" name="頁尾版面配置區 4">
             <a:extLst>
               <a:ext uri="{FF2B5EF4-FFF2-40B4-BE49-F238E27FC236}">
-                <a16:creationId xmlns:a16="http://schemas.microsoft.com/office/drawing/2014/main" id="{34553FE1-A5D9-4070-AA9C-378F491D4677}"/>
+                <a16:creationId xmlns:a16="http://schemas.microsoft.com/office/drawing/2014/main" id="{1E49702D-E778-5E69-7CF0-58FFCF468A97}"/>
               </a:ext>
             </a:extLst>
           </p:cNvPr>
@@ -687,7 +1259,7 @@
           <a:bodyPr/>
           <a:lstStyle/>
           <a:p>
-            <a:endParaRPr lang="zh-TW" altLang="en-US"/>
+            <a:endParaRPr kumimoji="1" lang="zh-TW" altLang="en-US"/>
           </a:p>
         </p:txBody>
       </p:sp>
@@ -696,7 +1268,7 @@
           <p:cNvPr id="6" name="投影片編號版面配置區 5">
             <a:extLst>
               <a:ext uri="{FF2B5EF4-FFF2-40B4-BE49-F238E27FC236}">
-                <a16:creationId xmlns:a16="http://schemas.microsoft.com/office/drawing/2014/main" id="{928EFDDC-5B11-4543-8144-518625EDA57F}"/>
+                <a16:creationId xmlns:a16="http://schemas.microsoft.com/office/drawing/2014/main" id="{611A74D8-F418-D295-53CC-C5D5E9CF2C39}"/>
               </a:ext>
             </a:extLst>
           </p:cNvPr>
@@ -712,18 +1284,18 @@
           <a:bodyPr/>
           <a:lstStyle/>
           <a:p>
-            <a:fld id="{E31EC408-072F-4346-BD0A-D6AA5788A305}" type="slidenum">
-              <a:rPr lang="zh-TW" altLang="en-US" smtClean="0"/>
+            <a:fld id="{A2A7C4A3-7F8F-6B48-8C7B-793022AABE6B}" type="slidenum">
+              <a:rPr kumimoji="1" lang="zh-TW" altLang="en-US" smtClean="0"/>
               <a:t>‹#›</a:t>
             </a:fld>
-            <a:endParaRPr lang="zh-TW" altLang="en-US"/>
+            <a:endParaRPr kumimoji="1" lang="zh-TW" altLang="en-US"/>
           </a:p>
         </p:txBody>
       </p:sp>
     </p:spTree>
     <p:extLst>
       <p:ext uri="{BB962C8B-B14F-4D97-AF65-F5344CB8AC3E}">
-        <p14:creationId xmlns:p14="http://schemas.microsoft.com/office/powerpoint/2010/main" val="2483123943"/>
+        <p14:creationId xmlns:p14="http://schemas.microsoft.com/office/powerpoint/2010/main" val="1803838429"/>
       </p:ext>
     </p:extLst>
   </p:cSld>
@@ -755,7 +1327,7 @@
           <p:cNvPr id="2" name="標題 1">
             <a:extLst>
               <a:ext uri="{FF2B5EF4-FFF2-40B4-BE49-F238E27FC236}">
-                <a16:creationId xmlns:a16="http://schemas.microsoft.com/office/drawing/2014/main" id="{A1BFCF4C-FB58-444C-B754-A594851E4C7B}"/>
+                <a16:creationId xmlns:a16="http://schemas.microsoft.com/office/drawing/2014/main" id="{F9EA11B5-1222-793A-F2D4-4FBB23D4CACB}"/>
               </a:ext>
             </a:extLst>
           </p:cNvPr>
@@ -772,7 +1344,7 @@
           <a:lstStyle/>
           <a:p>
             <a:r>
-              <a:rPr lang="zh-TW" altLang="en-US"/>
+              <a:rPr kumimoji="1" lang="zh-TW" altLang="en-US"/>
               <a:t>按一下以編輯母片標題樣式</a:t>
             </a:r>
           </a:p>
@@ -783,7 +1355,7 @@
           <p:cNvPr id="3" name="內容版面配置區 2">
             <a:extLst>
               <a:ext uri="{FF2B5EF4-FFF2-40B4-BE49-F238E27FC236}">
-                <a16:creationId xmlns:a16="http://schemas.microsoft.com/office/drawing/2014/main" id="{987C475D-648F-4511-A6FE-04B04F755F93}"/>
+                <a16:creationId xmlns:a16="http://schemas.microsoft.com/office/drawing/2014/main" id="{F21DC6A9-D3E4-C867-1813-39F73CDBB35D}"/>
               </a:ext>
             </a:extLst>
           </p:cNvPr>
@@ -801,35 +1373,35 @@
           <a:p>
             <a:pPr lvl="0"/>
             <a:r>
-              <a:rPr lang="zh-TW" altLang="en-US"/>
+              <a:rPr kumimoji="1" lang="zh-TW" altLang="en-US"/>
               <a:t>按一下以編輯母片文字樣式</a:t>
             </a:r>
           </a:p>
           <a:p>
             <a:pPr lvl="1"/>
             <a:r>
-              <a:rPr lang="zh-TW" altLang="en-US"/>
+              <a:rPr kumimoji="1" lang="zh-TW" altLang="en-US"/>
               <a:t>第二層</a:t>
             </a:r>
           </a:p>
           <a:p>
             <a:pPr lvl="2"/>
             <a:r>
-              <a:rPr lang="zh-TW" altLang="en-US"/>
+              <a:rPr kumimoji="1" lang="zh-TW" altLang="en-US"/>
               <a:t>第三層</a:t>
             </a:r>
           </a:p>
           <a:p>
             <a:pPr lvl="3"/>
             <a:r>
-              <a:rPr lang="zh-TW" altLang="en-US"/>
+              <a:rPr kumimoji="1" lang="zh-TW" altLang="en-US"/>
               <a:t>第四層</a:t>
             </a:r>
           </a:p>
           <a:p>
             <a:pPr lvl="4"/>
             <a:r>
-              <a:rPr lang="zh-TW" altLang="en-US"/>
+              <a:rPr kumimoji="1" lang="zh-TW" altLang="en-US"/>
               <a:t>第五層</a:t>
             </a:r>
           </a:p>
@@ -840,7 +1412,7 @@
           <p:cNvPr id="4" name="日期版面配置區 3">
             <a:extLst>
               <a:ext uri="{FF2B5EF4-FFF2-40B4-BE49-F238E27FC236}">
-                <a16:creationId xmlns:a16="http://schemas.microsoft.com/office/drawing/2014/main" id="{F511FCF8-D8F7-4914-920F-D63F2D97F713}"/>
+                <a16:creationId xmlns:a16="http://schemas.microsoft.com/office/drawing/2014/main" id="{8B061028-826C-033D-D7F2-6A40F2595580}"/>
               </a:ext>
             </a:extLst>
           </p:cNvPr>
@@ -856,11 +1428,11 @@
           <a:bodyPr/>
           <a:lstStyle/>
           <a:p>
-            <a:fld id="{C3C90D7E-32D6-4894-AE08-7BBB3E610FC9}" type="datetimeFigureOut">
-              <a:rPr lang="zh-TW" altLang="en-US" smtClean="0"/>
-              <a:t>2024/9/16</a:t>
+            <a:fld id="{FBF90F1F-C832-2449-82A9-15A5DB8F8164}" type="datetimeFigureOut">
+              <a:rPr kumimoji="1" lang="zh-TW" altLang="en-US" smtClean="0"/>
+              <a:t>2024/10/20</a:t>
             </a:fld>
-            <a:endParaRPr lang="zh-TW" altLang="en-US"/>
+            <a:endParaRPr kumimoji="1" lang="zh-TW" altLang="en-US"/>
           </a:p>
         </p:txBody>
       </p:sp>
@@ -869,7 +1441,7 @@
           <p:cNvPr id="5" name="頁尾版面配置區 4">
             <a:extLst>
               <a:ext uri="{FF2B5EF4-FFF2-40B4-BE49-F238E27FC236}">
-                <a16:creationId xmlns:a16="http://schemas.microsoft.com/office/drawing/2014/main" id="{7E1D3E8F-338D-4B4D-B411-5282866FF95D}"/>
+                <a16:creationId xmlns:a16="http://schemas.microsoft.com/office/drawing/2014/main" id="{CFE499B9-B899-C039-A587-C774AA375A49}"/>
               </a:ext>
             </a:extLst>
           </p:cNvPr>
@@ -885,7 +1457,7 @@
           <a:bodyPr/>
           <a:lstStyle/>
           <a:p>
-            <a:endParaRPr lang="zh-TW" altLang="en-US"/>
+            <a:endParaRPr kumimoji="1" lang="zh-TW" altLang="en-US"/>
           </a:p>
         </p:txBody>
       </p:sp>
@@ -894,7 +1466,7 @@
           <p:cNvPr id="6" name="投影片編號版面配置區 5">
             <a:extLst>
               <a:ext uri="{FF2B5EF4-FFF2-40B4-BE49-F238E27FC236}">
-                <a16:creationId xmlns:a16="http://schemas.microsoft.com/office/drawing/2014/main" id="{F7DF3AD5-06B6-42D8-AEDF-66CCE6582524}"/>
+                <a16:creationId xmlns:a16="http://schemas.microsoft.com/office/drawing/2014/main" id="{BAE575EA-46AF-8229-CC27-95642B41968F}"/>
               </a:ext>
             </a:extLst>
           </p:cNvPr>
@@ -910,18 +1482,18 @@
           <a:bodyPr/>
           <a:lstStyle/>
           <a:p>
-            <a:fld id="{E31EC408-072F-4346-BD0A-D6AA5788A305}" type="slidenum">
-              <a:rPr lang="zh-TW" altLang="en-US" smtClean="0"/>
+            <a:fld id="{A2A7C4A3-7F8F-6B48-8C7B-793022AABE6B}" type="slidenum">
+              <a:rPr kumimoji="1" lang="zh-TW" altLang="en-US" smtClean="0"/>
               <a:t>‹#›</a:t>
             </a:fld>
-            <a:endParaRPr lang="zh-TW" altLang="en-US"/>
+            <a:endParaRPr kumimoji="1" lang="zh-TW" altLang="en-US"/>
           </a:p>
         </p:txBody>
       </p:sp>
     </p:spTree>
     <p:extLst>
       <p:ext uri="{BB962C8B-B14F-4D97-AF65-F5344CB8AC3E}">
-        <p14:creationId xmlns:p14="http://schemas.microsoft.com/office/powerpoint/2010/main" val="4198509733"/>
+        <p14:creationId xmlns:p14="http://schemas.microsoft.com/office/powerpoint/2010/main" val="895373863"/>
       </p:ext>
     </p:extLst>
   </p:cSld>
@@ -953,7 +1525,7 @@
           <p:cNvPr id="2" name="標題 1">
             <a:extLst>
               <a:ext uri="{FF2B5EF4-FFF2-40B4-BE49-F238E27FC236}">
-                <a16:creationId xmlns:a16="http://schemas.microsoft.com/office/drawing/2014/main" id="{5986B870-2B24-4658-9AEB-3C92E8E40B41}"/>
+                <a16:creationId xmlns:a16="http://schemas.microsoft.com/office/drawing/2014/main" id="{F4914BF1-8E43-10A0-5195-303306FE5AE2}"/>
               </a:ext>
             </a:extLst>
           </p:cNvPr>
@@ -979,7 +1551,7 @@
           </a:lstStyle>
           <a:p>
             <a:r>
-              <a:rPr lang="zh-TW" altLang="en-US"/>
+              <a:rPr kumimoji="1" lang="zh-TW" altLang="en-US"/>
               <a:t>按一下以編輯母片標題樣式</a:t>
             </a:r>
           </a:p>
@@ -990,7 +1562,7 @@
           <p:cNvPr id="3" name="文字版面配置區 2">
             <a:extLst>
               <a:ext uri="{FF2B5EF4-FFF2-40B4-BE49-F238E27FC236}">
-                <a16:creationId xmlns:a16="http://schemas.microsoft.com/office/drawing/2014/main" id="{90235018-E757-4630-8511-F466B919268F}"/>
+                <a16:creationId xmlns:a16="http://schemas.microsoft.com/office/drawing/2014/main" id="{2E36B43D-CAE5-BE8C-7F29-8BE245A8D620}"/>
               </a:ext>
             </a:extLst>
           </p:cNvPr>
@@ -1104,7 +1676,7 @@
           <a:p>
             <a:pPr lvl="0"/>
             <a:r>
-              <a:rPr lang="zh-TW" altLang="en-US"/>
+              <a:rPr kumimoji="1" lang="zh-TW" altLang="en-US"/>
               <a:t>按一下以編輯母片文字樣式</a:t>
             </a:r>
           </a:p>
@@ -1115,7 +1687,7 @@
           <p:cNvPr id="4" name="日期版面配置區 3">
             <a:extLst>
               <a:ext uri="{FF2B5EF4-FFF2-40B4-BE49-F238E27FC236}">
-                <a16:creationId xmlns:a16="http://schemas.microsoft.com/office/drawing/2014/main" id="{37546C76-CF19-433D-9070-0A54A149F1B2}"/>
+                <a16:creationId xmlns:a16="http://schemas.microsoft.com/office/drawing/2014/main" id="{F11F04EA-6C7D-A16C-A06B-A755E75C48DE}"/>
               </a:ext>
             </a:extLst>
           </p:cNvPr>
@@ -1131,11 +1703,11 @@
           <a:bodyPr/>
           <a:lstStyle/>
           <a:p>
-            <a:fld id="{C3C90D7E-32D6-4894-AE08-7BBB3E610FC9}" type="datetimeFigureOut">
-              <a:rPr lang="zh-TW" altLang="en-US" smtClean="0"/>
-              <a:t>2024/9/16</a:t>
+            <a:fld id="{FBF90F1F-C832-2449-82A9-15A5DB8F8164}" type="datetimeFigureOut">
+              <a:rPr kumimoji="1" lang="zh-TW" altLang="en-US" smtClean="0"/>
+              <a:t>2024/10/20</a:t>
             </a:fld>
-            <a:endParaRPr lang="zh-TW" altLang="en-US"/>
+            <a:endParaRPr kumimoji="1" lang="zh-TW" altLang="en-US"/>
           </a:p>
         </p:txBody>
       </p:sp>
@@ -1144,7 +1716,7 @@
           <p:cNvPr id="5" name="頁尾版面配置區 4">
             <a:extLst>
               <a:ext uri="{FF2B5EF4-FFF2-40B4-BE49-F238E27FC236}">
-                <a16:creationId xmlns:a16="http://schemas.microsoft.com/office/drawing/2014/main" id="{9C9DC25F-827C-4564-AD0E-7FD815D53AF7}"/>
+                <a16:creationId xmlns:a16="http://schemas.microsoft.com/office/drawing/2014/main" id="{DA60061C-20D0-A696-8A9A-FD570AD6FCD0}"/>
               </a:ext>
             </a:extLst>
           </p:cNvPr>
@@ -1160,7 +1732,7 @@
           <a:bodyPr/>
           <a:lstStyle/>
           <a:p>
-            <a:endParaRPr lang="zh-TW" altLang="en-US"/>
+            <a:endParaRPr kumimoji="1" lang="zh-TW" altLang="en-US"/>
           </a:p>
         </p:txBody>
       </p:sp>
@@ -1169,7 +1741,7 @@
           <p:cNvPr id="6" name="投影片編號版面配置區 5">
             <a:extLst>
               <a:ext uri="{FF2B5EF4-FFF2-40B4-BE49-F238E27FC236}">
-                <a16:creationId xmlns:a16="http://schemas.microsoft.com/office/drawing/2014/main" id="{8C0653A6-68AA-4213-8D62-EAF9243D6998}"/>
+                <a16:creationId xmlns:a16="http://schemas.microsoft.com/office/drawing/2014/main" id="{7C4D1304-8F36-BF7B-856A-EACF4AFE832E}"/>
               </a:ext>
             </a:extLst>
           </p:cNvPr>
@@ -1185,18 +1757,18 @@
           <a:bodyPr/>
           <a:lstStyle/>
           <a:p>
-            <a:fld id="{E31EC408-072F-4346-BD0A-D6AA5788A305}" type="slidenum">
-              <a:rPr lang="zh-TW" altLang="en-US" smtClean="0"/>
+            <a:fld id="{A2A7C4A3-7F8F-6B48-8C7B-793022AABE6B}" type="slidenum">
+              <a:rPr kumimoji="1" lang="zh-TW" altLang="en-US" smtClean="0"/>
               <a:t>‹#›</a:t>
             </a:fld>
-            <a:endParaRPr lang="zh-TW" altLang="en-US"/>
+            <a:endParaRPr kumimoji="1" lang="zh-TW" altLang="en-US"/>
           </a:p>
         </p:txBody>
       </p:sp>
     </p:spTree>
     <p:extLst>
       <p:ext uri="{BB962C8B-B14F-4D97-AF65-F5344CB8AC3E}">
-        <p14:creationId xmlns:p14="http://schemas.microsoft.com/office/powerpoint/2010/main" val="3126775509"/>
+        <p14:creationId xmlns:p14="http://schemas.microsoft.com/office/powerpoint/2010/main" val="960960722"/>
       </p:ext>
     </p:extLst>
   </p:cSld>
@@ -1228,7 +1800,7 @@
           <p:cNvPr id="2" name="標題 1">
             <a:extLst>
               <a:ext uri="{FF2B5EF4-FFF2-40B4-BE49-F238E27FC236}">
-                <a16:creationId xmlns:a16="http://schemas.microsoft.com/office/drawing/2014/main" id="{F8A74D77-9E6E-4FD1-97AD-0ADC1228B6AF}"/>
+                <a16:creationId xmlns:a16="http://schemas.microsoft.com/office/drawing/2014/main" id="{739AE880-413B-CDF6-D29D-ADEE66DBF43C}"/>
               </a:ext>
             </a:extLst>
           </p:cNvPr>
@@ -1245,7 +1817,7 @@
           <a:lstStyle/>
           <a:p>
             <a:r>
-              <a:rPr lang="zh-TW" altLang="en-US"/>
+              <a:rPr kumimoji="1" lang="zh-TW" altLang="en-US"/>
               <a:t>按一下以編輯母片標題樣式</a:t>
             </a:r>
           </a:p>
@@ -1256,7 +1828,7 @@
           <p:cNvPr id="3" name="內容版面配置區 2">
             <a:extLst>
               <a:ext uri="{FF2B5EF4-FFF2-40B4-BE49-F238E27FC236}">
-                <a16:creationId xmlns:a16="http://schemas.microsoft.com/office/drawing/2014/main" id="{9FDE4E9B-689C-4373-B281-9636BE211982}"/>
+                <a16:creationId xmlns:a16="http://schemas.microsoft.com/office/drawing/2014/main" id="{41A2FD1D-A47F-95C5-C6B3-82550CFCA349}"/>
               </a:ext>
             </a:extLst>
           </p:cNvPr>
@@ -1279,35 +1851,35 @@
           <a:p>
             <a:pPr lvl="0"/>
             <a:r>
-              <a:rPr lang="zh-TW" altLang="en-US"/>
+              <a:rPr kumimoji="1" lang="zh-TW" altLang="en-US"/>
               <a:t>按一下以編輯母片文字樣式</a:t>
             </a:r>
           </a:p>
           <a:p>
             <a:pPr lvl="1"/>
             <a:r>
-              <a:rPr lang="zh-TW" altLang="en-US"/>
+              <a:rPr kumimoji="1" lang="zh-TW" altLang="en-US"/>
               <a:t>第二層</a:t>
             </a:r>
           </a:p>
           <a:p>
             <a:pPr lvl="2"/>
             <a:r>
-              <a:rPr lang="zh-TW" altLang="en-US"/>
+              <a:rPr kumimoji="1" lang="zh-TW" altLang="en-US"/>
               <a:t>第三層</a:t>
             </a:r>
           </a:p>
           <a:p>
             <a:pPr lvl="3"/>
             <a:r>
-              <a:rPr lang="zh-TW" altLang="en-US"/>
+              <a:rPr kumimoji="1" lang="zh-TW" altLang="en-US"/>
               <a:t>第四層</a:t>
             </a:r>
           </a:p>
           <a:p>
             <a:pPr lvl="4"/>
             <a:r>
-              <a:rPr lang="zh-TW" altLang="en-US"/>
+              <a:rPr kumimoji="1" lang="zh-TW" altLang="en-US"/>
               <a:t>第五層</a:t>
             </a:r>
           </a:p>
@@ -1318,7 +1890,7 @@
           <p:cNvPr id="4" name="內容版面配置區 3">
             <a:extLst>
               <a:ext uri="{FF2B5EF4-FFF2-40B4-BE49-F238E27FC236}">
-                <a16:creationId xmlns:a16="http://schemas.microsoft.com/office/drawing/2014/main" id="{CD25EC10-0BDA-4ECA-AB8E-059AC3378E22}"/>
+                <a16:creationId xmlns:a16="http://schemas.microsoft.com/office/drawing/2014/main" id="{D9989664-F5DF-9A52-A28A-62C63EA6A611}"/>
               </a:ext>
             </a:extLst>
           </p:cNvPr>
@@ -1341,35 +1913,35 @@
           <a:p>
             <a:pPr lvl="0"/>
             <a:r>
-              <a:rPr lang="zh-TW" altLang="en-US"/>
+              <a:rPr kumimoji="1" lang="zh-TW" altLang="en-US"/>
               <a:t>按一下以編輯母片文字樣式</a:t>
             </a:r>
           </a:p>
           <a:p>
             <a:pPr lvl="1"/>
             <a:r>
-              <a:rPr lang="zh-TW" altLang="en-US"/>
+              <a:rPr kumimoji="1" lang="zh-TW" altLang="en-US"/>
               <a:t>第二層</a:t>
             </a:r>
           </a:p>
           <a:p>
             <a:pPr lvl="2"/>
             <a:r>
-              <a:rPr lang="zh-TW" altLang="en-US"/>
+              <a:rPr kumimoji="1" lang="zh-TW" altLang="en-US"/>
               <a:t>第三層</a:t>
             </a:r>
           </a:p>
           <a:p>
             <a:pPr lvl="3"/>
             <a:r>
-              <a:rPr lang="zh-TW" altLang="en-US"/>
+              <a:rPr kumimoji="1" lang="zh-TW" altLang="en-US"/>
               <a:t>第四層</a:t>
             </a:r>
           </a:p>
           <a:p>
             <a:pPr lvl="4"/>
             <a:r>
-              <a:rPr lang="zh-TW" altLang="en-US"/>
+              <a:rPr kumimoji="1" lang="zh-TW" altLang="en-US"/>
               <a:t>第五層</a:t>
             </a:r>
           </a:p>
@@ -1380,7 +1952,7 @@
           <p:cNvPr id="5" name="日期版面配置區 4">
             <a:extLst>
               <a:ext uri="{FF2B5EF4-FFF2-40B4-BE49-F238E27FC236}">
-                <a16:creationId xmlns:a16="http://schemas.microsoft.com/office/drawing/2014/main" id="{63DAF127-0983-4C38-869C-C0A513FA9147}"/>
+                <a16:creationId xmlns:a16="http://schemas.microsoft.com/office/drawing/2014/main" id="{F6B68384-9C73-B14C-59A1-2DA30C9CB1F4}"/>
               </a:ext>
             </a:extLst>
           </p:cNvPr>
@@ -1396,11 +1968,11 @@
           <a:bodyPr/>
           <a:lstStyle/>
           <a:p>
-            <a:fld id="{C3C90D7E-32D6-4894-AE08-7BBB3E610FC9}" type="datetimeFigureOut">
-              <a:rPr lang="zh-TW" altLang="en-US" smtClean="0"/>
-              <a:t>2024/9/16</a:t>
+            <a:fld id="{FBF90F1F-C832-2449-82A9-15A5DB8F8164}" type="datetimeFigureOut">
+              <a:rPr kumimoji="1" lang="zh-TW" altLang="en-US" smtClean="0"/>
+              <a:t>2024/10/20</a:t>
             </a:fld>
-            <a:endParaRPr lang="zh-TW" altLang="en-US"/>
+            <a:endParaRPr kumimoji="1" lang="zh-TW" altLang="en-US"/>
           </a:p>
         </p:txBody>
       </p:sp>
@@ -1409,7 +1981,7 @@
           <p:cNvPr id="6" name="頁尾版面配置區 5">
             <a:extLst>
               <a:ext uri="{FF2B5EF4-FFF2-40B4-BE49-F238E27FC236}">
-                <a16:creationId xmlns:a16="http://schemas.microsoft.com/office/drawing/2014/main" id="{E014CBA6-CCE3-4CF4-8E13-D895EDBD8F25}"/>
+                <a16:creationId xmlns:a16="http://schemas.microsoft.com/office/drawing/2014/main" id="{E8DFDD4B-5626-86DF-E991-DC8B7E248193}"/>
               </a:ext>
             </a:extLst>
           </p:cNvPr>
@@ -1425,7 +1997,7 @@
           <a:bodyPr/>
           <a:lstStyle/>
           <a:p>
-            <a:endParaRPr lang="zh-TW" altLang="en-US"/>
+            <a:endParaRPr kumimoji="1" lang="zh-TW" altLang="en-US"/>
           </a:p>
         </p:txBody>
       </p:sp>
@@ -1434,7 +2006,7 @@
           <p:cNvPr id="7" name="投影片編號版面配置區 6">
             <a:extLst>
               <a:ext uri="{FF2B5EF4-FFF2-40B4-BE49-F238E27FC236}">
-                <a16:creationId xmlns:a16="http://schemas.microsoft.com/office/drawing/2014/main" id="{5CEAA8E5-79B3-445E-B8C3-29BD56CE6D7A}"/>
+                <a16:creationId xmlns:a16="http://schemas.microsoft.com/office/drawing/2014/main" id="{6C5676AF-80E6-63DC-515C-5C8900C4052E}"/>
               </a:ext>
             </a:extLst>
           </p:cNvPr>
@@ -1450,18 +2022,18 @@
           <a:bodyPr/>
           <a:lstStyle/>
           <a:p>
-            <a:fld id="{E31EC408-072F-4346-BD0A-D6AA5788A305}" type="slidenum">
-              <a:rPr lang="zh-TW" altLang="en-US" smtClean="0"/>
+            <a:fld id="{A2A7C4A3-7F8F-6B48-8C7B-793022AABE6B}" type="slidenum">
+              <a:rPr kumimoji="1" lang="zh-TW" altLang="en-US" smtClean="0"/>
               <a:t>‹#›</a:t>
             </a:fld>
-            <a:endParaRPr lang="zh-TW" altLang="en-US"/>
+            <a:endParaRPr kumimoji="1" lang="zh-TW" altLang="en-US"/>
           </a:p>
         </p:txBody>
       </p:sp>
     </p:spTree>
     <p:extLst>
       <p:ext uri="{BB962C8B-B14F-4D97-AF65-F5344CB8AC3E}">
-        <p14:creationId xmlns:p14="http://schemas.microsoft.com/office/powerpoint/2010/main" val="3858213488"/>
+        <p14:creationId xmlns:p14="http://schemas.microsoft.com/office/powerpoint/2010/main" val="1185401354"/>
       </p:ext>
     </p:extLst>
   </p:cSld>
@@ -1493,7 +2065,7 @@
           <p:cNvPr id="2" name="標題 1">
             <a:extLst>
               <a:ext uri="{FF2B5EF4-FFF2-40B4-BE49-F238E27FC236}">
-                <a16:creationId xmlns:a16="http://schemas.microsoft.com/office/drawing/2014/main" id="{A00F76B6-8DEC-4A74-A06A-BA0146321CD8}"/>
+                <a16:creationId xmlns:a16="http://schemas.microsoft.com/office/drawing/2014/main" id="{82D7523D-F51A-AEB6-CAED-80DCCCF499FB}"/>
               </a:ext>
             </a:extLst>
           </p:cNvPr>
@@ -1515,7 +2087,7 @@
           <a:lstStyle/>
           <a:p>
             <a:r>
-              <a:rPr lang="zh-TW" altLang="en-US"/>
+              <a:rPr kumimoji="1" lang="zh-TW" altLang="en-US"/>
               <a:t>按一下以編輯母片標題樣式</a:t>
             </a:r>
           </a:p>
@@ -1526,7 +2098,7 @@
           <p:cNvPr id="3" name="文字版面配置區 2">
             <a:extLst>
               <a:ext uri="{FF2B5EF4-FFF2-40B4-BE49-F238E27FC236}">
-                <a16:creationId xmlns:a16="http://schemas.microsoft.com/office/drawing/2014/main" id="{EF00F5C5-99A7-4F16-855A-F170362659F7}"/>
+                <a16:creationId xmlns:a16="http://schemas.microsoft.com/office/drawing/2014/main" id="{7DC74927-0E8E-BC56-C93B-1C827971FDB0}"/>
               </a:ext>
             </a:extLst>
           </p:cNvPr>
@@ -1586,7 +2158,7 @@
           <a:p>
             <a:pPr lvl="0"/>
             <a:r>
-              <a:rPr lang="zh-TW" altLang="en-US"/>
+              <a:rPr kumimoji="1" lang="zh-TW" altLang="en-US"/>
               <a:t>按一下以編輯母片文字樣式</a:t>
             </a:r>
           </a:p>
@@ -1597,7 +2169,7 @@
           <p:cNvPr id="4" name="內容版面配置區 3">
             <a:extLst>
               <a:ext uri="{FF2B5EF4-FFF2-40B4-BE49-F238E27FC236}">
-                <a16:creationId xmlns:a16="http://schemas.microsoft.com/office/drawing/2014/main" id="{6722BEB2-C9B4-4C14-8234-D17E84349984}"/>
+                <a16:creationId xmlns:a16="http://schemas.microsoft.com/office/drawing/2014/main" id="{964B2A2A-B84A-843F-1E56-07AE0C18BFC9}"/>
               </a:ext>
             </a:extLst>
           </p:cNvPr>
@@ -1620,35 +2192,35 @@
           <a:p>
             <a:pPr lvl="0"/>
             <a:r>
-              <a:rPr lang="zh-TW" altLang="en-US"/>
+              <a:rPr kumimoji="1" lang="zh-TW" altLang="en-US"/>
               <a:t>按一下以編輯母片文字樣式</a:t>
             </a:r>
           </a:p>
           <a:p>
             <a:pPr lvl="1"/>
             <a:r>
-              <a:rPr lang="zh-TW" altLang="en-US"/>
+              <a:rPr kumimoji="1" lang="zh-TW" altLang="en-US"/>
               <a:t>第二層</a:t>
             </a:r>
           </a:p>
           <a:p>
             <a:pPr lvl="2"/>
             <a:r>
-              <a:rPr lang="zh-TW" altLang="en-US"/>
+              <a:rPr kumimoji="1" lang="zh-TW" altLang="en-US"/>
               <a:t>第三層</a:t>
             </a:r>
           </a:p>
           <a:p>
             <a:pPr lvl="3"/>
             <a:r>
-              <a:rPr lang="zh-TW" altLang="en-US"/>
+              <a:rPr kumimoji="1" lang="zh-TW" altLang="en-US"/>
               <a:t>第四層</a:t>
             </a:r>
           </a:p>
           <a:p>
             <a:pPr lvl="4"/>
             <a:r>
-              <a:rPr lang="zh-TW" altLang="en-US"/>
+              <a:rPr kumimoji="1" lang="zh-TW" altLang="en-US"/>
               <a:t>第五層</a:t>
             </a:r>
           </a:p>
@@ -1659,7 +2231,7 @@
           <p:cNvPr id="5" name="文字版面配置區 4">
             <a:extLst>
               <a:ext uri="{FF2B5EF4-FFF2-40B4-BE49-F238E27FC236}">
-                <a16:creationId xmlns:a16="http://schemas.microsoft.com/office/drawing/2014/main" id="{E4A41162-A0AC-4211-940F-4B92208F9B0E}"/>
+                <a16:creationId xmlns:a16="http://schemas.microsoft.com/office/drawing/2014/main" id="{BEA29133-85CC-BBC7-20C2-9EA63C42B3BF}"/>
               </a:ext>
             </a:extLst>
           </p:cNvPr>
@@ -1719,7 +2291,7 @@
           <a:p>
             <a:pPr lvl="0"/>
             <a:r>
-              <a:rPr lang="zh-TW" altLang="en-US"/>
+              <a:rPr kumimoji="1" lang="zh-TW" altLang="en-US"/>
               <a:t>按一下以編輯母片文字樣式</a:t>
             </a:r>
           </a:p>
@@ -1730,7 +2302,7 @@
           <p:cNvPr id="6" name="內容版面配置區 5">
             <a:extLst>
               <a:ext uri="{FF2B5EF4-FFF2-40B4-BE49-F238E27FC236}">
-                <a16:creationId xmlns:a16="http://schemas.microsoft.com/office/drawing/2014/main" id="{E8EA159A-F9D7-4F58-A7C3-6E5B65E42266}"/>
+                <a16:creationId xmlns:a16="http://schemas.microsoft.com/office/drawing/2014/main" id="{0E15F011-9244-61C3-1F58-5AF6A7399472}"/>
               </a:ext>
             </a:extLst>
           </p:cNvPr>
@@ -1753,35 +2325,35 @@
           <a:p>
             <a:pPr lvl="0"/>
             <a:r>
-              <a:rPr lang="zh-TW" altLang="en-US"/>
+              <a:rPr kumimoji="1" lang="zh-TW" altLang="en-US"/>
               <a:t>按一下以編輯母片文字樣式</a:t>
             </a:r>
           </a:p>
           <a:p>
             <a:pPr lvl="1"/>
             <a:r>
-              <a:rPr lang="zh-TW" altLang="en-US"/>
+              <a:rPr kumimoji="1" lang="zh-TW" altLang="en-US"/>
               <a:t>第二層</a:t>
             </a:r>
           </a:p>
           <a:p>
             <a:pPr lvl="2"/>
             <a:r>
-              <a:rPr lang="zh-TW" altLang="en-US"/>
+              <a:rPr kumimoji="1" lang="zh-TW" altLang="en-US"/>
               <a:t>第三層</a:t>
             </a:r>
           </a:p>
           <a:p>
             <a:pPr lvl="3"/>
             <a:r>
-              <a:rPr lang="zh-TW" altLang="en-US"/>
+              <a:rPr kumimoji="1" lang="zh-TW" altLang="en-US"/>
               <a:t>第四層</a:t>
             </a:r>
           </a:p>
           <a:p>
             <a:pPr lvl="4"/>
             <a:r>
-              <a:rPr lang="zh-TW" altLang="en-US"/>
+              <a:rPr kumimoji="1" lang="zh-TW" altLang="en-US"/>
               <a:t>第五層</a:t>
             </a:r>
           </a:p>
@@ -1792,7 +2364,7 @@
           <p:cNvPr id="7" name="日期版面配置區 6">
             <a:extLst>
               <a:ext uri="{FF2B5EF4-FFF2-40B4-BE49-F238E27FC236}">
-                <a16:creationId xmlns:a16="http://schemas.microsoft.com/office/drawing/2014/main" id="{AE973E80-9141-48B7-A9D7-605A4541768F}"/>
+                <a16:creationId xmlns:a16="http://schemas.microsoft.com/office/drawing/2014/main" id="{9B4DB671-B518-C52F-3417-B9B724EF0909}"/>
               </a:ext>
             </a:extLst>
           </p:cNvPr>
@@ -1808,11 +2380,11 @@
           <a:bodyPr/>
           <a:lstStyle/>
           <a:p>
-            <a:fld id="{C3C90D7E-32D6-4894-AE08-7BBB3E610FC9}" type="datetimeFigureOut">
-              <a:rPr lang="zh-TW" altLang="en-US" smtClean="0"/>
-              <a:t>2024/9/16</a:t>
+            <a:fld id="{FBF90F1F-C832-2449-82A9-15A5DB8F8164}" type="datetimeFigureOut">
+              <a:rPr kumimoji="1" lang="zh-TW" altLang="en-US" smtClean="0"/>
+              <a:t>2024/10/20</a:t>
             </a:fld>
-            <a:endParaRPr lang="zh-TW" altLang="en-US"/>
+            <a:endParaRPr kumimoji="1" lang="zh-TW" altLang="en-US"/>
           </a:p>
         </p:txBody>
       </p:sp>
@@ -1821,7 +2393,7 @@
           <p:cNvPr id="8" name="頁尾版面配置區 7">
             <a:extLst>
               <a:ext uri="{FF2B5EF4-FFF2-40B4-BE49-F238E27FC236}">
-                <a16:creationId xmlns:a16="http://schemas.microsoft.com/office/drawing/2014/main" id="{6520B07A-79F8-43E7-8013-632DD2AED223}"/>
+                <a16:creationId xmlns:a16="http://schemas.microsoft.com/office/drawing/2014/main" id="{A7C5AD1A-DCEB-CA71-88E5-F3E5E036C505}"/>
               </a:ext>
             </a:extLst>
           </p:cNvPr>
@@ -1837,7 +2409,7 @@
           <a:bodyPr/>
           <a:lstStyle/>
           <a:p>
-            <a:endParaRPr lang="zh-TW" altLang="en-US"/>
+            <a:endParaRPr kumimoji="1" lang="zh-TW" altLang="en-US"/>
           </a:p>
         </p:txBody>
       </p:sp>
@@ -1846,7 +2418,7 @@
           <p:cNvPr id="9" name="投影片編號版面配置區 8">
             <a:extLst>
               <a:ext uri="{FF2B5EF4-FFF2-40B4-BE49-F238E27FC236}">
-                <a16:creationId xmlns:a16="http://schemas.microsoft.com/office/drawing/2014/main" id="{3B997D8F-4F1C-4DE6-A82C-3E0C38ACAE96}"/>
+                <a16:creationId xmlns:a16="http://schemas.microsoft.com/office/drawing/2014/main" id="{0F7F8EDE-7928-10AC-F5AD-57097ED7CC09}"/>
               </a:ext>
             </a:extLst>
           </p:cNvPr>
@@ -1862,18 +2434,18 @@
           <a:bodyPr/>
           <a:lstStyle/>
           <a:p>
-            <a:fld id="{E31EC408-072F-4346-BD0A-D6AA5788A305}" type="slidenum">
-              <a:rPr lang="zh-TW" altLang="en-US" smtClean="0"/>
+            <a:fld id="{A2A7C4A3-7F8F-6B48-8C7B-793022AABE6B}" type="slidenum">
+              <a:rPr kumimoji="1" lang="zh-TW" altLang="en-US" smtClean="0"/>
               <a:t>‹#›</a:t>
             </a:fld>
-            <a:endParaRPr lang="zh-TW" altLang="en-US"/>
+            <a:endParaRPr kumimoji="1" lang="zh-TW" altLang="en-US"/>
           </a:p>
         </p:txBody>
       </p:sp>
     </p:spTree>
     <p:extLst>
       <p:ext uri="{BB962C8B-B14F-4D97-AF65-F5344CB8AC3E}">
-        <p14:creationId xmlns:p14="http://schemas.microsoft.com/office/powerpoint/2010/main" val="3379995638"/>
+        <p14:creationId xmlns:p14="http://schemas.microsoft.com/office/powerpoint/2010/main" val="4129263567"/>
       </p:ext>
     </p:extLst>
   </p:cSld>
@@ -1905,7 +2477,7 @@
           <p:cNvPr id="2" name="標題 1">
             <a:extLst>
               <a:ext uri="{FF2B5EF4-FFF2-40B4-BE49-F238E27FC236}">
-                <a16:creationId xmlns:a16="http://schemas.microsoft.com/office/drawing/2014/main" id="{6CE04611-FD10-429D-89AA-73C259B64293}"/>
+                <a16:creationId xmlns:a16="http://schemas.microsoft.com/office/drawing/2014/main" id="{2B00C2E2-BC68-6EB3-BEB8-7D788A338710}"/>
               </a:ext>
             </a:extLst>
           </p:cNvPr>
@@ -1922,7 +2494,7 @@
           <a:lstStyle/>
           <a:p>
             <a:r>
-              <a:rPr lang="zh-TW" altLang="en-US"/>
+              <a:rPr kumimoji="1" lang="zh-TW" altLang="en-US"/>
               <a:t>按一下以編輯母片標題樣式</a:t>
             </a:r>
           </a:p>
@@ -1933,7 +2505,7 @@
           <p:cNvPr id="3" name="日期版面配置區 2">
             <a:extLst>
               <a:ext uri="{FF2B5EF4-FFF2-40B4-BE49-F238E27FC236}">
-                <a16:creationId xmlns:a16="http://schemas.microsoft.com/office/drawing/2014/main" id="{2D9009F3-A280-4DA8-ACC4-187DE2172BCA}"/>
+                <a16:creationId xmlns:a16="http://schemas.microsoft.com/office/drawing/2014/main" id="{CE42C590-8A89-E703-F4D2-2C0686AA3FC3}"/>
               </a:ext>
             </a:extLst>
           </p:cNvPr>
@@ -1949,11 +2521,11 @@
           <a:bodyPr/>
           <a:lstStyle/>
           <a:p>
-            <a:fld id="{C3C90D7E-32D6-4894-AE08-7BBB3E610FC9}" type="datetimeFigureOut">
-              <a:rPr lang="zh-TW" altLang="en-US" smtClean="0"/>
-              <a:t>2024/9/16</a:t>
+            <a:fld id="{FBF90F1F-C832-2449-82A9-15A5DB8F8164}" type="datetimeFigureOut">
+              <a:rPr kumimoji="1" lang="zh-TW" altLang="en-US" smtClean="0"/>
+              <a:t>2024/10/20</a:t>
             </a:fld>
-            <a:endParaRPr lang="zh-TW" altLang="en-US"/>
+            <a:endParaRPr kumimoji="1" lang="zh-TW" altLang="en-US"/>
           </a:p>
         </p:txBody>
       </p:sp>
@@ -1962,7 +2534,7 @@
           <p:cNvPr id="4" name="頁尾版面配置區 3">
             <a:extLst>
               <a:ext uri="{FF2B5EF4-FFF2-40B4-BE49-F238E27FC236}">
-                <a16:creationId xmlns:a16="http://schemas.microsoft.com/office/drawing/2014/main" id="{F8FD791E-F627-4DDB-AD69-F7639FDD1767}"/>
+                <a16:creationId xmlns:a16="http://schemas.microsoft.com/office/drawing/2014/main" id="{8489CF51-1F90-D046-6D06-B5182ABFAA26}"/>
               </a:ext>
             </a:extLst>
           </p:cNvPr>
@@ -1978,7 +2550,7 @@
           <a:bodyPr/>
           <a:lstStyle/>
           <a:p>
-            <a:endParaRPr lang="zh-TW" altLang="en-US"/>
+            <a:endParaRPr kumimoji="1" lang="zh-TW" altLang="en-US"/>
           </a:p>
         </p:txBody>
       </p:sp>
@@ -1987,7 +2559,7 @@
           <p:cNvPr id="5" name="投影片編號版面配置區 4">
             <a:extLst>
               <a:ext uri="{FF2B5EF4-FFF2-40B4-BE49-F238E27FC236}">
-                <a16:creationId xmlns:a16="http://schemas.microsoft.com/office/drawing/2014/main" id="{CE9C3C73-9A1B-4A20-B40C-BF8E0726E9AE}"/>
+                <a16:creationId xmlns:a16="http://schemas.microsoft.com/office/drawing/2014/main" id="{51071E6A-82A2-7FB1-0B53-5927D139C9F1}"/>
               </a:ext>
             </a:extLst>
           </p:cNvPr>
@@ -2003,18 +2575,18 @@
           <a:bodyPr/>
           <a:lstStyle/>
           <a:p>
-            <a:fld id="{E31EC408-072F-4346-BD0A-D6AA5788A305}" type="slidenum">
-              <a:rPr lang="zh-TW" altLang="en-US" smtClean="0"/>
+            <a:fld id="{A2A7C4A3-7F8F-6B48-8C7B-793022AABE6B}" type="slidenum">
+              <a:rPr kumimoji="1" lang="zh-TW" altLang="en-US" smtClean="0"/>
               <a:t>‹#›</a:t>
             </a:fld>
-            <a:endParaRPr lang="zh-TW" altLang="en-US"/>
+            <a:endParaRPr kumimoji="1" lang="zh-TW" altLang="en-US"/>
           </a:p>
         </p:txBody>
       </p:sp>
     </p:spTree>
     <p:extLst>
       <p:ext uri="{BB962C8B-B14F-4D97-AF65-F5344CB8AC3E}">
-        <p14:creationId xmlns:p14="http://schemas.microsoft.com/office/powerpoint/2010/main" val="3116621787"/>
+        <p14:creationId xmlns:p14="http://schemas.microsoft.com/office/powerpoint/2010/main" val="3950869232"/>
       </p:ext>
     </p:extLst>
   </p:cSld>
@@ -2046,7 +2618,7 @@
           <p:cNvPr id="2" name="日期版面配置區 1">
             <a:extLst>
               <a:ext uri="{FF2B5EF4-FFF2-40B4-BE49-F238E27FC236}">
-                <a16:creationId xmlns:a16="http://schemas.microsoft.com/office/drawing/2014/main" id="{1E1D8EED-F2A7-4221-9887-0DBB62EB3F80}"/>
+                <a16:creationId xmlns:a16="http://schemas.microsoft.com/office/drawing/2014/main" id="{BEA00381-76EB-B51E-1271-B436580FE3E4}"/>
               </a:ext>
             </a:extLst>
           </p:cNvPr>
@@ -2062,11 +2634,11 @@
           <a:bodyPr/>
           <a:lstStyle/>
           <a:p>
-            <a:fld id="{C3C90D7E-32D6-4894-AE08-7BBB3E610FC9}" type="datetimeFigureOut">
-              <a:rPr lang="zh-TW" altLang="en-US" smtClean="0"/>
-              <a:t>2024/9/16</a:t>
+            <a:fld id="{FBF90F1F-C832-2449-82A9-15A5DB8F8164}" type="datetimeFigureOut">
+              <a:rPr kumimoji="1" lang="zh-TW" altLang="en-US" smtClean="0"/>
+              <a:t>2024/10/20</a:t>
             </a:fld>
-            <a:endParaRPr lang="zh-TW" altLang="en-US"/>
+            <a:endParaRPr kumimoji="1" lang="zh-TW" altLang="en-US"/>
           </a:p>
         </p:txBody>
       </p:sp>
@@ -2075,7 +2647,7 @@
           <p:cNvPr id="3" name="頁尾版面配置區 2">
             <a:extLst>
               <a:ext uri="{FF2B5EF4-FFF2-40B4-BE49-F238E27FC236}">
-                <a16:creationId xmlns:a16="http://schemas.microsoft.com/office/drawing/2014/main" id="{10593B39-DC86-45A7-85EF-B4DB9C28DC80}"/>
+                <a16:creationId xmlns:a16="http://schemas.microsoft.com/office/drawing/2014/main" id="{5A3D0F5D-1362-23A9-FE46-D08B8C400198}"/>
               </a:ext>
             </a:extLst>
           </p:cNvPr>
@@ -2091,7 +2663,7 @@
           <a:bodyPr/>
           <a:lstStyle/>
           <a:p>
-            <a:endParaRPr lang="zh-TW" altLang="en-US"/>
+            <a:endParaRPr kumimoji="1" lang="zh-TW" altLang="en-US"/>
           </a:p>
         </p:txBody>
       </p:sp>
@@ -2100,7 +2672,7 @@
           <p:cNvPr id="4" name="投影片編號版面配置區 3">
             <a:extLst>
               <a:ext uri="{FF2B5EF4-FFF2-40B4-BE49-F238E27FC236}">
-                <a16:creationId xmlns:a16="http://schemas.microsoft.com/office/drawing/2014/main" id="{3D9056B2-6966-4CAF-94D1-2295A737E168}"/>
+                <a16:creationId xmlns:a16="http://schemas.microsoft.com/office/drawing/2014/main" id="{13E7D0F0-CCD5-850E-3FB3-51DB6BEC646D}"/>
               </a:ext>
             </a:extLst>
           </p:cNvPr>
@@ -2116,18 +2688,18 @@
           <a:bodyPr/>
           <a:lstStyle/>
           <a:p>
-            <a:fld id="{E31EC408-072F-4346-BD0A-D6AA5788A305}" type="slidenum">
-              <a:rPr lang="zh-TW" altLang="en-US" smtClean="0"/>
+            <a:fld id="{A2A7C4A3-7F8F-6B48-8C7B-793022AABE6B}" type="slidenum">
+              <a:rPr kumimoji="1" lang="zh-TW" altLang="en-US" smtClean="0"/>
               <a:t>‹#›</a:t>
             </a:fld>
-            <a:endParaRPr lang="zh-TW" altLang="en-US"/>
+            <a:endParaRPr kumimoji="1" lang="zh-TW" altLang="en-US"/>
           </a:p>
         </p:txBody>
       </p:sp>
     </p:spTree>
     <p:extLst>
       <p:ext uri="{BB962C8B-B14F-4D97-AF65-F5344CB8AC3E}">
-        <p14:creationId xmlns:p14="http://schemas.microsoft.com/office/powerpoint/2010/main" val="3887241942"/>
+        <p14:creationId xmlns:p14="http://schemas.microsoft.com/office/powerpoint/2010/main" val="3672288504"/>
       </p:ext>
     </p:extLst>
   </p:cSld>
@@ -2159,7 +2731,7 @@
           <p:cNvPr id="2" name="標題 1">
             <a:extLst>
               <a:ext uri="{FF2B5EF4-FFF2-40B4-BE49-F238E27FC236}">
-                <a16:creationId xmlns:a16="http://schemas.microsoft.com/office/drawing/2014/main" id="{5C3076DF-D16B-4600-9550-96C6A8DD7F1A}"/>
+                <a16:creationId xmlns:a16="http://schemas.microsoft.com/office/drawing/2014/main" id="{1706F5A5-3D17-97F3-0B92-0AACD849873E}"/>
               </a:ext>
             </a:extLst>
           </p:cNvPr>
@@ -2185,7 +2757,7 @@
           </a:lstStyle>
           <a:p>
             <a:r>
-              <a:rPr lang="zh-TW" altLang="en-US"/>
+              <a:rPr kumimoji="1" lang="zh-TW" altLang="en-US"/>
               <a:t>按一下以編輯母片標題樣式</a:t>
             </a:r>
           </a:p>
@@ -2196,7 +2768,7 @@
           <p:cNvPr id="3" name="內容版面配置區 2">
             <a:extLst>
               <a:ext uri="{FF2B5EF4-FFF2-40B4-BE49-F238E27FC236}">
-                <a16:creationId xmlns:a16="http://schemas.microsoft.com/office/drawing/2014/main" id="{9CD3D667-FDE5-4F5D-9495-588EC18912CE}"/>
+                <a16:creationId xmlns:a16="http://schemas.microsoft.com/office/drawing/2014/main" id="{B2CAB1A4-125B-3477-F515-38BB418E378B}"/>
               </a:ext>
             </a:extLst>
           </p:cNvPr>
@@ -2247,35 +2819,35 @@
           <a:p>
             <a:pPr lvl="0"/>
             <a:r>
-              <a:rPr lang="zh-TW" altLang="en-US"/>
+              <a:rPr kumimoji="1" lang="zh-TW" altLang="en-US"/>
               <a:t>按一下以編輯母片文字樣式</a:t>
             </a:r>
           </a:p>
           <a:p>
             <a:pPr lvl="1"/>
             <a:r>
-              <a:rPr lang="zh-TW" altLang="en-US"/>
+              <a:rPr kumimoji="1" lang="zh-TW" altLang="en-US"/>
               <a:t>第二層</a:t>
             </a:r>
           </a:p>
           <a:p>
             <a:pPr lvl="2"/>
             <a:r>
-              <a:rPr lang="zh-TW" altLang="en-US"/>
+              <a:rPr kumimoji="1" lang="zh-TW" altLang="en-US"/>
               <a:t>第三層</a:t>
             </a:r>
           </a:p>
           <a:p>
             <a:pPr lvl="3"/>
             <a:r>
-              <a:rPr lang="zh-TW" altLang="en-US"/>
+              <a:rPr kumimoji="1" lang="zh-TW" altLang="en-US"/>
               <a:t>第四層</a:t>
             </a:r>
           </a:p>
           <a:p>
             <a:pPr lvl="4"/>
             <a:r>
-              <a:rPr lang="zh-TW" altLang="en-US"/>
+              <a:rPr kumimoji="1" lang="zh-TW" altLang="en-US"/>
               <a:t>第五層</a:t>
             </a:r>
           </a:p>
@@ -2286,7 +2858,7 @@
           <p:cNvPr id="4" name="文字版面配置區 3">
             <a:extLst>
               <a:ext uri="{FF2B5EF4-FFF2-40B4-BE49-F238E27FC236}">
-                <a16:creationId xmlns:a16="http://schemas.microsoft.com/office/drawing/2014/main" id="{22F511E7-BEEF-4F51-BA0E-52C1908D5608}"/>
+                <a16:creationId xmlns:a16="http://schemas.microsoft.com/office/drawing/2014/main" id="{736E6CA3-F253-4F8B-1733-46C4C5A8C5EB}"/>
               </a:ext>
             </a:extLst>
           </p:cNvPr>
@@ -2346,7 +2918,7 @@
           <a:p>
             <a:pPr lvl="0"/>
             <a:r>
-              <a:rPr lang="zh-TW" altLang="en-US"/>
+              <a:rPr kumimoji="1" lang="zh-TW" altLang="en-US"/>
               <a:t>按一下以編輯母片文字樣式</a:t>
             </a:r>
           </a:p>
@@ -2357,7 +2929,7 @@
           <p:cNvPr id="5" name="日期版面配置區 4">
             <a:extLst>
               <a:ext uri="{FF2B5EF4-FFF2-40B4-BE49-F238E27FC236}">
-                <a16:creationId xmlns:a16="http://schemas.microsoft.com/office/drawing/2014/main" id="{88060697-A92E-4178-A790-FCBB90D70573}"/>
+                <a16:creationId xmlns:a16="http://schemas.microsoft.com/office/drawing/2014/main" id="{5ED40BC6-E546-7F1B-7D28-7456E7ECADF9}"/>
               </a:ext>
             </a:extLst>
           </p:cNvPr>
@@ -2373,11 +2945,11 @@
           <a:bodyPr/>
           <a:lstStyle/>
           <a:p>
-            <a:fld id="{C3C90D7E-32D6-4894-AE08-7BBB3E610FC9}" type="datetimeFigureOut">
-              <a:rPr lang="zh-TW" altLang="en-US" smtClean="0"/>
-              <a:t>2024/9/16</a:t>
+            <a:fld id="{FBF90F1F-C832-2449-82A9-15A5DB8F8164}" type="datetimeFigureOut">
+              <a:rPr kumimoji="1" lang="zh-TW" altLang="en-US" smtClean="0"/>
+              <a:t>2024/10/20</a:t>
             </a:fld>
-            <a:endParaRPr lang="zh-TW" altLang="en-US"/>
+            <a:endParaRPr kumimoji="1" lang="zh-TW" altLang="en-US"/>
           </a:p>
         </p:txBody>
       </p:sp>
@@ -2386,7 +2958,7 @@
           <p:cNvPr id="6" name="頁尾版面配置區 5">
             <a:extLst>
               <a:ext uri="{FF2B5EF4-FFF2-40B4-BE49-F238E27FC236}">
-                <a16:creationId xmlns:a16="http://schemas.microsoft.com/office/drawing/2014/main" id="{2A8E3F57-A99A-4C4C-BF14-EE42AB99CE78}"/>
+                <a16:creationId xmlns:a16="http://schemas.microsoft.com/office/drawing/2014/main" id="{E65044EC-F6BF-20B3-3F75-F22095022990}"/>
               </a:ext>
             </a:extLst>
           </p:cNvPr>
@@ -2402,7 +2974,7 @@
           <a:bodyPr/>
           <a:lstStyle/>
           <a:p>
-            <a:endParaRPr lang="zh-TW" altLang="en-US"/>
+            <a:endParaRPr kumimoji="1" lang="zh-TW" altLang="en-US"/>
           </a:p>
         </p:txBody>
       </p:sp>
@@ -2411,7 +2983,7 @@
           <p:cNvPr id="7" name="投影片編號版面配置區 6">
             <a:extLst>
               <a:ext uri="{FF2B5EF4-FFF2-40B4-BE49-F238E27FC236}">
-                <a16:creationId xmlns:a16="http://schemas.microsoft.com/office/drawing/2014/main" id="{39234440-6924-48D7-AC1A-200D5946BCA9}"/>
+                <a16:creationId xmlns:a16="http://schemas.microsoft.com/office/drawing/2014/main" id="{DDE3F962-ED8F-6596-6D5A-7CAF58FBCA2F}"/>
               </a:ext>
             </a:extLst>
           </p:cNvPr>
@@ -2427,18 +2999,18 @@
           <a:bodyPr/>
           <a:lstStyle/>
           <a:p>
-            <a:fld id="{E31EC408-072F-4346-BD0A-D6AA5788A305}" type="slidenum">
-              <a:rPr lang="zh-TW" altLang="en-US" smtClean="0"/>
+            <a:fld id="{A2A7C4A3-7F8F-6B48-8C7B-793022AABE6B}" type="slidenum">
+              <a:rPr kumimoji="1" lang="zh-TW" altLang="en-US" smtClean="0"/>
               <a:t>‹#›</a:t>
             </a:fld>
-            <a:endParaRPr lang="zh-TW" altLang="en-US"/>
+            <a:endParaRPr kumimoji="1" lang="zh-TW" altLang="en-US"/>
           </a:p>
         </p:txBody>
       </p:sp>
     </p:spTree>
     <p:extLst>
       <p:ext uri="{BB962C8B-B14F-4D97-AF65-F5344CB8AC3E}">
-        <p14:creationId xmlns:p14="http://schemas.microsoft.com/office/powerpoint/2010/main" val="2036183199"/>
+        <p14:creationId xmlns:p14="http://schemas.microsoft.com/office/powerpoint/2010/main" val="2279641562"/>
       </p:ext>
     </p:extLst>
   </p:cSld>
@@ -2470,7 +3042,7 @@
           <p:cNvPr id="2" name="標題 1">
             <a:extLst>
               <a:ext uri="{FF2B5EF4-FFF2-40B4-BE49-F238E27FC236}">
-                <a16:creationId xmlns:a16="http://schemas.microsoft.com/office/drawing/2014/main" id="{B2E81694-0B93-4D65-9DA3-21597478A96C}"/>
+                <a16:creationId xmlns:a16="http://schemas.microsoft.com/office/drawing/2014/main" id="{20DE5B9F-7FD5-692B-DE62-846BB43DFEF6}"/>
               </a:ext>
             </a:extLst>
           </p:cNvPr>
@@ -2496,7 +3068,7 @@
           </a:lstStyle>
           <a:p>
             <a:r>
-              <a:rPr lang="zh-TW" altLang="en-US"/>
+              <a:rPr kumimoji="1" lang="zh-TW" altLang="en-US"/>
               <a:t>按一下以編輯母片標題樣式</a:t>
             </a:r>
           </a:p>
@@ -2507,7 +3079,7 @@
           <p:cNvPr id="3" name="圖片版面配置區 2">
             <a:extLst>
               <a:ext uri="{FF2B5EF4-FFF2-40B4-BE49-F238E27FC236}">
-                <a16:creationId xmlns:a16="http://schemas.microsoft.com/office/drawing/2014/main" id="{23E4D718-8CB0-4334-BB8A-FB8B57D7CDC6}"/>
+                <a16:creationId xmlns:a16="http://schemas.microsoft.com/office/drawing/2014/main" id="{3E3F2F9A-E3D0-3E86-9487-E42DC6D80E22}"/>
               </a:ext>
             </a:extLst>
           </p:cNvPr>
@@ -2565,7 +3137,7 @@
             </a:lvl9pPr>
           </a:lstStyle>
           <a:p>
-            <a:endParaRPr lang="zh-TW" altLang="en-US"/>
+            <a:endParaRPr kumimoji="1" lang="zh-TW" altLang="en-US"/>
           </a:p>
         </p:txBody>
       </p:sp>
@@ -2574,7 +3146,7 @@
           <p:cNvPr id="4" name="文字版面配置區 3">
             <a:extLst>
               <a:ext uri="{FF2B5EF4-FFF2-40B4-BE49-F238E27FC236}">
-                <a16:creationId xmlns:a16="http://schemas.microsoft.com/office/drawing/2014/main" id="{0DC47463-53E7-4FE3-B60B-1657D11127BD}"/>
+                <a16:creationId xmlns:a16="http://schemas.microsoft.com/office/drawing/2014/main" id="{76F0D283-68C1-4EBC-DA25-A3BD84C48D74}"/>
               </a:ext>
             </a:extLst>
           </p:cNvPr>
@@ -2634,7 +3206,7 @@
           <a:p>
             <a:pPr lvl="0"/>
             <a:r>
-              <a:rPr lang="zh-TW" altLang="en-US"/>
+              <a:rPr kumimoji="1" lang="zh-TW" altLang="en-US"/>
               <a:t>按一下以編輯母片文字樣式</a:t>
             </a:r>
           </a:p>
@@ -2645,7 +3217,7 @@
           <p:cNvPr id="5" name="日期版面配置區 4">
             <a:extLst>
               <a:ext uri="{FF2B5EF4-FFF2-40B4-BE49-F238E27FC236}">
-                <a16:creationId xmlns:a16="http://schemas.microsoft.com/office/drawing/2014/main" id="{28875DC5-6AFF-40C0-8C77-F81A0A3E1B0F}"/>
+                <a16:creationId xmlns:a16="http://schemas.microsoft.com/office/drawing/2014/main" id="{33FAF8E5-059E-9EFB-F6EA-180E8E13470C}"/>
               </a:ext>
             </a:extLst>
           </p:cNvPr>
@@ -2661,11 +3233,11 @@
           <a:bodyPr/>
           <a:lstStyle/>
           <a:p>
-            <a:fld id="{C3C90D7E-32D6-4894-AE08-7BBB3E610FC9}" type="datetimeFigureOut">
-              <a:rPr lang="zh-TW" altLang="en-US" smtClean="0"/>
-              <a:t>2024/9/16</a:t>
+            <a:fld id="{FBF90F1F-C832-2449-82A9-15A5DB8F8164}" type="datetimeFigureOut">
+              <a:rPr kumimoji="1" lang="zh-TW" altLang="en-US" smtClean="0"/>
+              <a:t>2024/10/20</a:t>
             </a:fld>
-            <a:endParaRPr lang="zh-TW" altLang="en-US"/>
+            <a:endParaRPr kumimoji="1" lang="zh-TW" altLang="en-US"/>
           </a:p>
         </p:txBody>
       </p:sp>
@@ -2674,7 +3246,7 @@
           <p:cNvPr id="6" name="頁尾版面配置區 5">
             <a:extLst>
               <a:ext uri="{FF2B5EF4-FFF2-40B4-BE49-F238E27FC236}">
-                <a16:creationId xmlns:a16="http://schemas.microsoft.com/office/drawing/2014/main" id="{24F8A973-6D07-4F0C-97A0-280FEFC238E0}"/>
+                <a16:creationId xmlns:a16="http://schemas.microsoft.com/office/drawing/2014/main" id="{9D459209-044D-CB87-81ED-80EE7DFCDB31}"/>
               </a:ext>
             </a:extLst>
           </p:cNvPr>
@@ -2690,7 +3262,7 @@
           <a:bodyPr/>
           <a:lstStyle/>
           <a:p>
-            <a:endParaRPr lang="zh-TW" altLang="en-US"/>
+            <a:endParaRPr kumimoji="1" lang="zh-TW" altLang="en-US"/>
           </a:p>
         </p:txBody>
       </p:sp>
@@ -2699,7 +3271,7 @@
           <p:cNvPr id="7" name="投影片編號版面配置區 6">
             <a:extLst>
               <a:ext uri="{FF2B5EF4-FFF2-40B4-BE49-F238E27FC236}">
-                <a16:creationId xmlns:a16="http://schemas.microsoft.com/office/drawing/2014/main" id="{DB60BB1E-F41B-40F0-929B-5208374980BF}"/>
+                <a16:creationId xmlns:a16="http://schemas.microsoft.com/office/drawing/2014/main" id="{F1AE368C-6B39-61B7-2C4E-CD54C0621BDF}"/>
               </a:ext>
             </a:extLst>
           </p:cNvPr>
@@ -2715,18 +3287,18 @@
           <a:bodyPr/>
           <a:lstStyle/>
           <a:p>
-            <a:fld id="{E31EC408-072F-4346-BD0A-D6AA5788A305}" type="slidenum">
-              <a:rPr lang="zh-TW" altLang="en-US" smtClean="0"/>
+            <a:fld id="{A2A7C4A3-7F8F-6B48-8C7B-793022AABE6B}" type="slidenum">
+              <a:rPr kumimoji="1" lang="zh-TW" altLang="en-US" smtClean="0"/>
               <a:t>‹#›</a:t>
             </a:fld>
-            <a:endParaRPr lang="zh-TW" altLang="en-US"/>
+            <a:endParaRPr kumimoji="1" lang="zh-TW" altLang="en-US"/>
           </a:p>
         </p:txBody>
       </p:sp>
     </p:spTree>
     <p:extLst>
       <p:ext uri="{BB962C8B-B14F-4D97-AF65-F5344CB8AC3E}">
-        <p14:creationId xmlns:p14="http://schemas.microsoft.com/office/powerpoint/2010/main" val="3148270851"/>
+        <p14:creationId xmlns:p14="http://schemas.microsoft.com/office/powerpoint/2010/main" val="3783558013"/>
       </p:ext>
     </p:extLst>
   </p:cSld>
@@ -2763,7 +3335,7 @@
           <p:cNvPr id="2" name="標題版面配置區 1">
             <a:extLst>
               <a:ext uri="{FF2B5EF4-FFF2-40B4-BE49-F238E27FC236}">
-                <a16:creationId xmlns:a16="http://schemas.microsoft.com/office/drawing/2014/main" id="{B8575AAC-624C-4B52-ABD4-699B1E35D2CF}"/>
+                <a16:creationId xmlns:a16="http://schemas.microsoft.com/office/drawing/2014/main" id="{3CF492DA-DCF7-B679-E384-97085932DEE2}"/>
               </a:ext>
             </a:extLst>
           </p:cNvPr>
@@ -2790,7 +3362,7 @@
           <a:lstStyle/>
           <a:p>
             <a:r>
-              <a:rPr lang="zh-TW" altLang="en-US"/>
+              <a:rPr kumimoji="1" lang="zh-TW" altLang="en-US"/>
               <a:t>按一下以編輯母片標題樣式</a:t>
             </a:r>
           </a:p>
@@ -2801,7 +3373,7 @@
           <p:cNvPr id="3" name="文字版面配置區 2">
             <a:extLst>
               <a:ext uri="{FF2B5EF4-FFF2-40B4-BE49-F238E27FC236}">
-                <a16:creationId xmlns:a16="http://schemas.microsoft.com/office/drawing/2014/main" id="{76722991-C57D-471F-8271-C419A1CFB074}"/>
+                <a16:creationId xmlns:a16="http://schemas.microsoft.com/office/drawing/2014/main" id="{341AFA75-4803-F65D-0DDB-0B2430051C08}"/>
               </a:ext>
             </a:extLst>
           </p:cNvPr>
@@ -2829,35 +3401,35 @@
           <a:p>
             <a:pPr lvl="0"/>
             <a:r>
-              <a:rPr lang="zh-TW" altLang="en-US"/>
+              <a:rPr kumimoji="1" lang="zh-TW" altLang="en-US"/>
               <a:t>按一下以編輯母片文字樣式</a:t>
             </a:r>
           </a:p>
           <a:p>
             <a:pPr lvl="1"/>
             <a:r>
-              <a:rPr lang="zh-TW" altLang="en-US"/>
+              <a:rPr kumimoji="1" lang="zh-TW" altLang="en-US"/>
               <a:t>第二層</a:t>
             </a:r>
           </a:p>
           <a:p>
             <a:pPr lvl="2"/>
             <a:r>
-              <a:rPr lang="zh-TW" altLang="en-US"/>
+              <a:rPr kumimoji="1" lang="zh-TW" altLang="en-US"/>
               <a:t>第三層</a:t>
             </a:r>
           </a:p>
           <a:p>
             <a:pPr lvl="3"/>
             <a:r>
-              <a:rPr lang="zh-TW" altLang="en-US"/>
+              <a:rPr kumimoji="1" lang="zh-TW" altLang="en-US"/>
               <a:t>第四層</a:t>
             </a:r>
           </a:p>
           <a:p>
             <a:pPr lvl="4"/>
             <a:r>
-              <a:rPr lang="zh-TW" altLang="en-US"/>
+              <a:rPr kumimoji="1" lang="zh-TW" altLang="en-US"/>
               <a:t>第五層</a:t>
             </a:r>
           </a:p>
@@ -2868,7 +3440,7 @@
           <p:cNvPr id="4" name="日期版面配置區 3">
             <a:extLst>
               <a:ext uri="{FF2B5EF4-FFF2-40B4-BE49-F238E27FC236}">
-                <a16:creationId xmlns:a16="http://schemas.microsoft.com/office/drawing/2014/main" id="{85C839DD-8CBF-4E23-A0C7-7C039E950BB8}"/>
+                <a16:creationId xmlns:a16="http://schemas.microsoft.com/office/drawing/2014/main" id="{D47CDF4C-E62D-4CE5-256F-9CBCFF7BA9A0}"/>
               </a:ext>
             </a:extLst>
           </p:cNvPr>
@@ -2902,11 +3474,11 @@
             </a:lvl1pPr>
           </a:lstStyle>
           <a:p>
-            <a:fld id="{C3C90D7E-32D6-4894-AE08-7BBB3E610FC9}" type="datetimeFigureOut">
-              <a:rPr lang="zh-TW" altLang="en-US" smtClean="0"/>
-              <a:t>2024/9/16</a:t>
+            <a:fld id="{FBF90F1F-C832-2449-82A9-15A5DB8F8164}" type="datetimeFigureOut">
+              <a:rPr kumimoji="1" lang="zh-TW" altLang="en-US" smtClean="0"/>
+              <a:t>2024/10/20</a:t>
             </a:fld>
-            <a:endParaRPr lang="zh-TW" altLang="en-US"/>
+            <a:endParaRPr kumimoji="1" lang="zh-TW" altLang="en-US"/>
           </a:p>
         </p:txBody>
       </p:sp>
@@ -2915,7 +3487,7 @@
           <p:cNvPr id="5" name="頁尾版面配置區 4">
             <a:extLst>
               <a:ext uri="{FF2B5EF4-FFF2-40B4-BE49-F238E27FC236}">
-                <a16:creationId xmlns:a16="http://schemas.microsoft.com/office/drawing/2014/main" id="{12802D8A-77D4-418C-8190-43B6ADED2131}"/>
+                <a16:creationId xmlns:a16="http://schemas.microsoft.com/office/drawing/2014/main" id="{EF4B4FAF-06D5-003F-4B42-11436956549A}"/>
               </a:ext>
             </a:extLst>
           </p:cNvPr>
@@ -2949,7 +3521,7 @@
             </a:lvl1pPr>
           </a:lstStyle>
           <a:p>
-            <a:endParaRPr lang="zh-TW" altLang="en-US"/>
+            <a:endParaRPr kumimoji="1" lang="zh-TW" altLang="en-US"/>
           </a:p>
         </p:txBody>
       </p:sp>
@@ -2958,7 +3530,7 @@
           <p:cNvPr id="6" name="投影片編號版面配置區 5">
             <a:extLst>
               <a:ext uri="{FF2B5EF4-FFF2-40B4-BE49-F238E27FC236}">
-                <a16:creationId xmlns:a16="http://schemas.microsoft.com/office/drawing/2014/main" id="{7072B55E-2BE2-4AF4-AFF8-2A716F492F1C}"/>
+                <a16:creationId xmlns:a16="http://schemas.microsoft.com/office/drawing/2014/main" id="{E1EEDFEE-E82E-5990-FB68-739CC7F7EDEF}"/>
               </a:ext>
             </a:extLst>
           </p:cNvPr>
@@ -2992,18 +3564,18 @@
             </a:lvl1pPr>
           </a:lstStyle>
           <a:p>
-            <a:fld id="{E31EC408-072F-4346-BD0A-D6AA5788A305}" type="slidenum">
-              <a:rPr lang="zh-TW" altLang="en-US" smtClean="0"/>
+            <a:fld id="{A2A7C4A3-7F8F-6B48-8C7B-793022AABE6B}" type="slidenum">
+              <a:rPr kumimoji="1" lang="zh-TW" altLang="en-US" smtClean="0"/>
               <a:t>‹#›</a:t>
             </a:fld>
-            <a:endParaRPr lang="zh-TW" altLang="en-US"/>
+            <a:endParaRPr kumimoji="1" lang="zh-TW" altLang="en-US"/>
           </a:p>
         </p:txBody>
       </p:sp>
     </p:spTree>
     <p:extLst>
       <p:ext uri="{BB962C8B-B14F-4D97-AF65-F5344CB8AC3E}">
-        <p14:creationId xmlns:p14="http://schemas.microsoft.com/office/powerpoint/2010/main" val="2016052060"/>
+        <p14:creationId xmlns:p14="http://schemas.microsoft.com/office/powerpoint/2010/main" val="3013205489"/>
       </p:ext>
     </p:extLst>
   </p:cSld>
@@ -3307,6 +3879,39 @@
 <file path=ppt/slides/slide1.xml><?xml version="1.0" encoding="utf-8"?>
 <p:sld xmlns:a="http://schemas.openxmlformats.org/drawingml/2006/main" xmlns:r="http://schemas.openxmlformats.org/officeDocument/2006/relationships" xmlns:p="http://schemas.openxmlformats.org/presentationml/2006/main">
   <p:cSld>
+    <p:bg>
+      <p:bgPr>
+        <a:gradFill flip="none" rotWithShape="1">
+          <a:gsLst>
+            <a:gs pos="0">
+              <a:schemeClr val="accent3">
+                <a:lumMod val="89000"/>
+              </a:schemeClr>
+            </a:gs>
+            <a:gs pos="23000">
+              <a:schemeClr val="accent3">
+                <a:lumMod val="89000"/>
+              </a:schemeClr>
+            </a:gs>
+            <a:gs pos="69000">
+              <a:schemeClr val="accent3">
+                <a:lumMod val="75000"/>
+              </a:schemeClr>
+            </a:gs>
+            <a:gs pos="97000">
+              <a:schemeClr val="accent3">
+                <a:lumMod val="70000"/>
+              </a:schemeClr>
+            </a:gs>
+          </a:gsLst>
+          <a:path path="circle">
+            <a:fillToRect l="50000" t="50000" r="50000" b="50000"/>
+          </a:path>
+          <a:tileRect/>
+        </a:gradFill>
+        <a:effectLst/>
+      </p:bgPr>
+    </p:bg>
     <p:spTree>
       <p:nvGrpSpPr>
         <p:cNvPr id="1" name=""/>
@@ -3323,58 +3928,1630 @@
       </p:grpSpPr>
       <p:sp>
         <p:nvSpPr>
-          <p:cNvPr id="2" name="標題 1">
-            <a:extLst>
-              <a:ext uri="{FF2B5EF4-FFF2-40B4-BE49-F238E27FC236}">
-                <a16:creationId xmlns:a16="http://schemas.microsoft.com/office/drawing/2014/main" id="{32532283-9F93-4E44-8138-32796965361F}"/>
-              </a:ext>
-            </a:extLst>
-          </p:cNvPr>
-          <p:cNvSpPr>
-            <a:spLocks noGrp="1"/>
-          </p:cNvSpPr>
-          <p:nvPr>
-            <p:ph type="ctrTitle"/>
-          </p:nvPr>
-        </p:nvSpPr>
-        <p:spPr/>
-        <p:txBody>
-          <a:bodyPr/>
-          <a:lstStyle/>
-          <a:p>
-            <a:endParaRPr lang="zh-TW" altLang="en-US"/>
-          </a:p>
-        </p:txBody>
-      </p:sp>
-      <p:sp>
-        <p:nvSpPr>
-          <p:cNvPr id="3" name="副標題 2">
-            <a:extLst>
-              <a:ext uri="{FF2B5EF4-FFF2-40B4-BE49-F238E27FC236}">
-                <a16:creationId xmlns:a16="http://schemas.microsoft.com/office/drawing/2014/main" id="{8C946F38-524D-4B98-B9CB-80AEE57E455A}"/>
-              </a:ext>
-            </a:extLst>
-          </p:cNvPr>
-          <p:cNvSpPr>
-            <a:spLocks noGrp="1"/>
-          </p:cNvSpPr>
-          <p:nvPr>
-            <p:ph type="subTitle" idx="1"/>
-          </p:nvPr>
-        </p:nvSpPr>
-        <p:spPr/>
-        <p:txBody>
-          <a:bodyPr/>
-          <a:lstStyle/>
-          <a:p>
-            <a:endParaRPr lang="zh-TW" altLang="en-US"/>
+          <p:cNvPr id="3" name="文字方塊 2">
+            <a:extLst>
+              <a:ext uri="{FF2B5EF4-FFF2-40B4-BE49-F238E27FC236}">
+                <a16:creationId xmlns:a16="http://schemas.microsoft.com/office/drawing/2014/main" id="{27E30BE4-806A-960B-B98A-A7A9DB4E65CF}"/>
+              </a:ext>
+            </a:extLst>
+          </p:cNvPr>
+          <p:cNvSpPr txBox="1"/>
+          <p:nvPr/>
+        </p:nvSpPr>
+        <p:spPr>
+          <a:xfrm>
+            <a:off x="-185531" y="3047999"/>
+            <a:ext cx="7142922" cy="1107996"/>
+          </a:xfrm>
+          <a:prstGeom prst="rect">
+            <a:avLst/>
+          </a:prstGeom>
+          <a:noFill/>
+        </p:spPr>
+        <p:txBody>
+          <a:bodyPr wrap="square">
+            <a:spAutoFit/>
+          </a:bodyPr>
+          <a:lstStyle/>
+          <a:p>
+            <a:pPr algn="ctr"/>
+            <a:r>
+              <a:rPr lang="zh-TW" altLang="en-US" sz="6600" b="1" dirty="0">
+                <a:ln w="12700">
+                  <a:solidFill>
+                    <a:schemeClr val="tx2">
+                      <a:satMod val="155000"/>
+                    </a:schemeClr>
+                  </a:solidFill>
+                  <a:prstDash val="solid"/>
+                </a:ln>
+                <a:solidFill>
+                  <a:srgbClr val="FD7461"/>
+                </a:solidFill>
+                <a:effectLst>
+                  <a:outerShdw blurRad="41275" dist="20320" dir="1800000" algn="tl" rotWithShape="0">
+                    <a:srgbClr val="000000">
+                      <a:alpha val="40000"/>
+                    </a:srgbClr>
+                  </a:outerShdw>
+                </a:effectLst>
+                <a:highlight>
+                  <a:srgbClr val="C0C0C0"/>
+                </a:highlight>
+              </a:rPr>
+              <a:t>小魚兒的故事</a:t>
+            </a:r>
+            <a:endParaRPr lang="zh-TW" altLang="en-US" sz="6600" b="1" cap="none" spc="0" dirty="0">
+              <a:ln w="12700">
+                <a:solidFill>
+                  <a:schemeClr val="tx2">
+                    <a:satMod val="155000"/>
+                  </a:schemeClr>
+                </a:solidFill>
+                <a:prstDash val="solid"/>
+              </a:ln>
+              <a:solidFill>
+                <a:srgbClr val="FD7461"/>
+              </a:solidFill>
+              <a:effectLst>
+                <a:outerShdw blurRad="41275" dist="20320" dir="1800000" algn="tl" rotWithShape="0">
+                  <a:srgbClr val="000000">
+                    <a:alpha val="40000"/>
+                  </a:srgbClr>
+                </a:outerShdw>
+              </a:effectLst>
+              <a:highlight>
+                <a:srgbClr val="C0C0C0"/>
+              </a:highlight>
+            </a:endParaRPr>
           </a:p>
         </p:txBody>
       </p:sp>
     </p:spTree>
     <p:extLst>
       <p:ext uri="{BB962C8B-B14F-4D97-AF65-F5344CB8AC3E}">
-        <p14:creationId xmlns:p14="http://schemas.microsoft.com/office/powerpoint/2010/main" val="1328321055"/>
+        <p14:creationId xmlns:p14="http://schemas.microsoft.com/office/powerpoint/2010/main" val="2967141976"/>
+      </p:ext>
+    </p:extLst>
+  </p:cSld>
+  <p:clrMapOvr>
+    <a:masterClrMapping/>
+  </p:clrMapOvr>
+</p:sld>
+</file>
+
+<file path=ppt/slides/slide2.xml><?xml version="1.0" encoding="utf-8"?>
+<p:sld xmlns:a="http://schemas.openxmlformats.org/drawingml/2006/main" xmlns:r="http://schemas.openxmlformats.org/officeDocument/2006/relationships" xmlns:p="http://schemas.openxmlformats.org/presentationml/2006/main">
+  <p:cSld>
+    <p:bg>
+      <p:bgPr>
+        <a:gradFill flip="none" rotWithShape="1">
+          <a:gsLst>
+            <a:gs pos="0">
+              <a:schemeClr val="accent1">
+                <a:lumMod val="40000"/>
+                <a:lumOff val="60000"/>
+              </a:schemeClr>
+            </a:gs>
+            <a:gs pos="46000">
+              <a:schemeClr val="accent1">
+                <a:lumMod val="95000"/>
+                <a:lumOff val="5000"/>
+              </a:schemeClr>
+            </a:gs>
+            <a:gs pos="100000">
+              <a:schemeClr val="accent1">
+                <a:lumMod val="60000"/>
+              </a:schemeClr>
+            </a:gs>
+          </a:gsLst>
+          <a:path path="circle">
+            <a:fillToRect l="50000" t="130000" r="50000" b="-30000"/>
+          </a:path>
+          <a:tileRect/>
+        </a:gradFill>
+        <a:effectLst/>
+      </p:bgPr>
+    </p:bg>
+    <p:spTree>
+      <p:nvGrpSpPr>
+        <p:cNvPr id="1" name=""/>
+        <p:cNvGrpSpPr/>
+        <p:nvPr/>
+      </p:nvGrpSpPr>
+      <p:grpSpPr>
+        <a:xfrm>
+          <a:off x="0" y="0"/>
+          <a:ext cx="0" cy="0"/>
+          <a:chOff x="0" y="0"/>
+          <a:chExt cx="0" cy="0"/>
+        </a:xfrm>
+      </p:grpSpPr>
+      <p:pic>
+        <p:nvPicPr>
+          <p:cNvPr id="5" name="圖片 4">
+            <a:extLst>
+              <a:ext uri="{FF2B5EF4-FFF2-40B4-BE49-F238E27FC236}">
+                <a16:creationId xmlns:a16="http://schemas.microsoft.com/office/drawing/2014/main" id="{1F487883-ECA9-3F10-7970-70EA276B3511}"/>
+              </a:ext>
+            </a:extLst>
+          </p:cNvPr>
+          <p:cNvPicPr>
+            <a:picLocks noChangeAspect="1"/>
+          </p:cNvPicPr>
+          <p:nvPr/>
+        </p:nvPicPr>
+        <p:blipFill>
+          <a:blip r:embed="rId3"/>
+          <a:stretch>
+            <a:fillRect/>
+          </a:stretch>
+        </p:blipFill>
+        <p:spPr>
+          <a:xfrm>
+            <a:off x="119270" y="73163"/>
+            <a:ext cx="6858000" cy="6858000"/>
+          </a:xfrm>
+          <a:prstGeom prst="rect">
+            <a:avLst/>
+          </a:prstGeom>
+        </p:spPr>
+      </p:pic>
+      <p:sp>
+        <p:nvSpPr>
+          <p:cNvPr id="4" name="矩形 3">
+            <a:extLst>
+              <a:ext uri="{FF2B5EF4-FFF2-40B4-BE49-F238E27FC236}">
+                <a16:creationId xmlns:a16="http://schemas.microsoft.com/office/drawing/2014/main" id="{5F2B152F-8718-221F-1127-F5D90C72A0B2}"/>
+              </a:ext>
+            </a:extLst>
+          </p:cNvPr>
+          <p:cNvSpPr/>
+          <p:nvPr/>
+        </p:nvSpPr>
+        <p:spPr>
+          <a:xfrm>
+            <a:off x="248478" y="5471337"/>
+            <a:ext cx="6599583" cy="1323439"/>
+          </a:xfrm>
+          <a:prstGeom prst="rect">
+            <a:avLst/>
+          </a:prstGeom>
+          <a:noFill/>
+        </p:spPr>
+        <p:txBody>
+          <a:bodyPr wrap="square" lIns="91440" tIns="45720" rIns="91440" bIns="45720">
+            <a:spAutoFit/>
+          </a:bodyPr>
+          <a:lstStyle/>
+          <a:p>
+            <a:pPr algn="ctr"/>
+            <a:r>
+              <a:rPr lang="en-US" altLang="zh-TW" sz="4000" b="1" cap="none" spc="0" dirty="0">
+                <a:ln w="12700">
+                  <a:solidFill>
+                    <a:schemeClr val="tx2">
+                      <a:satMod val="155000"/>
+                    </a:schemeClr>
+                  </a:solidFill>
+                  <a:prstDash val="solid"/>
+                </a:ln>
+                <a:solidFill>
+                  <a:srgbClr val="FFFF00"/>
+                </a:solidFill>
+                <a:effectLst>
+                  <a:outerShdw blurRad="41275" dist="20320" dir="1800000" algn="tl" rotWithShape="0">
+                    <a:srgbClr val="000000">
+                      <a:alpha val="40000"/>
+                    </a:srgbClr>
+                  </a:outerShdw>
+                </a:effectLst>
+                <a:highlight>
+                  <a:srgbClr val="800080"/>
+                </a:highlight>
+              </a:rPr>
+              <a:t>1.</a:t>
+            </a:r>
+            <a:r>
+              <a:rPr lang="zh-TW" altLang="en-US" sz="4000" b="1" cap="none" spc="0" dirty="0">
+                <a:ln w="12700">
+                  <a:solidFill>
+                    <a:schemeClr val="tx2">
+                      <a:satMod val="155000"/>
+                    </a:schemeClr>
+                  </a:solidFill>
+                  <a:prstDash val="solid"/>
+                </a:ln>
+                <a:solidFill>
+                  <a:srgbClr val="FFFF00"/>
+                </a:solidFill>
+                <a:effectLst>
+                  <a:outerShdw blurRad="41275" dist="20320" dir="1800000" algn="tl" rotWithShape="0">
+                    <a:srgbClr val="000000">
+                      <a:alpha val="40000"/>
+                    </a:srgbClr>
+                  </a:outerShdw>
+                </a:effectLst>
+                <a:highlight>
+                  <a:srgbClr val="800080"/>
+                </a:highlight>
+              </a:rPr>
+              <a:t>目標：我是法律系畢業生，</a:t>
+            </a:r>
+            <a:endParaRPr lang="en-US" altLang="zh-TW" sz="4000" b="1" cap="none" spc="0" dirty="0">
+              <a:ln w="12700">
+                <a:solidFill>
+                  <a:schemeClr val="tx2">
+                    <a:satMod val="155000"/>
+                  </a:schemeClr>
+                </a:solidFill>
+                <a:prstDash val="solid"/>
+              </a:ln>
+              <a:solidFill>
+                <a:srgbClr val="FFFF00"/>
+              </a:solidFill>
+              <a:effectLst>
+                <a:outerShdw blurRad="41275" dist="20320" dir="1800000" algn="tl" rotWithShape="0">
+                  <a:srgbClr val="000000">
+                    <a:alpha val="40000"/>
+                  </a:srgbClr>
+                </a:outerShdw>
+              </a:effectLst>
+              <a:highlight>
+                <a:srgbClr val="800080"/>
+              </a:highlight>
+            </a:endParaRPr>
+          </a:p>
+          <a:p>
+            <a:pPr algn="ctr"/>
+            <a:r>
+              <a:rPr lang="zh-TW" altLang="en-US" sz="4000" b="1" cap="none" spc="0" dirty="0">
+                <a:ln w="12700">
+                  <a:solidFill>
+                    <a:schemeClr val="tx2">
+                      <a:satMod val="155000"/>
+                    </a:schemeClr>
+                  </a:solidFill>
+                  <a:prstDash val="solid"/>
+                </a:ln>
+                <a:solidFill>
+                  <a:srgbClr val="FFFF00"/>
+                </a:solidFill>
+                <a:effectLst>
+                  <a:outerShdw blurRad="41275" dist="20320" dir="1800000" algn="tl" rotWithShape="0">
+                    <a:srgbClr val="000000">
+                      <a:alpha val="40000"/>
+                    </a:srgbClr>
+                  </a:outerShdw>
+                </a:effectLst>
+                <a:highlight>
+                  <a:srgbClr val="800080"/>
+                </a:highlight>
+              </a:rPr>
+              <a:t>我的目標是成為一位歌唱家</a:t>
+            </a:r>
+          </a:p>
+        </p:txBody>
+      </p:sp>
+    </p:spTree>
+    <p:extLst>
+      <p:ext uri="{BB962C8B-B14F-4D97-AF65-F5344CB8AC3E}">
+        <p14:creationId xmlns:p14="http://schemas.microsoft.com/office/powerpoint/2010/main" val="3269707278"/>
+      </p:ext>
+    </p:extLst>
+  </p:cSld>
+  <p:clrMapOvr>
+    <a:masterClrMapping/>
+  </p:clrMapOvr>
+</p:sld>
+</file>
+
+<file path=ppt/slides/slide3.xml><?xml version="1.0" encoding="utf-8"?>
+<p:sld xmlns:a="http://schemas.openxmlformats.org/drawingml/2006/main" xmlns:r="http://schemas.openxmlformats.org/officeDocument/2006/relationships" xmlns:p="http://schemas.openxmlformats.org/presentationml/2006/main">
+  <p:cSld>
+    <p:bg>
+      <p:bgPr>
+        <a:gradFill>
+          <a:gsLst>
+            <a:gs pos="0">
+              <a:schemeClr val="accent1">
+                <a:lumMod val="40000"/>
+                <a:lumOff val="60000"/>
+              </a:schemeClr>
+            </a:gs>
+            <a:gs pos="46000">
+              <a:schemeClr val="accent1">
+                <a:lumMod val="95000"/>
+                <a:lumOff val="5000"/>
+              </a:schemeClr>
+            </a:gs>
+            <a:gs pos="100000">
+              <a:schemeClr val="accent1">
+                <a:lumMod val="60000"/>
+              </a:schemeClr>
+            </a:gs>
+          </a:gsLst>
+          <a:path path="circle">
+            <a:fillToRect l="50000" t="130000" r="50000" b="-30000"/>
+          </a:path>
+        </a:gradFill>
+        <a:effectLst/>
+      </p:bgPr>
+    </p:bg>
+    <p:spTree>
+      <p:nvGrpSpPr>
+        <p:cNvPr id="1" name=""/>
+        <p:cNvGrpSpPr/>
+        <p:nvPr/>
+      </p:nvGrpSpPr>
+      <p:grpSpPr>
+        <a:xfrm>
+          <a:off x="0" y="0"/>
+          <a:ext cx="0" cy="0"/>
+          <a:chOff x="0" y="0"/>
+          <a:chExt cx="0" cy="0"/>
+        </a:xfrm>
+      </p:grpSpPr>
+      <p:pic>
+        <p:nvPicPr>
+          <p:cNvPr id="3" name="圖片 2">
+            <a:extLst>
+              <a:ext uri="{FF2B5EF4-FFF2-40B4-BE49-F238E27FC236}">
+                <a16:creationId xmlns:a16="http://schemas.microsoft.com/office/drawing/2014/main" id="{A18E9BD0-DEA2-EA53-EC1C-074A2428F228}"/>
+              </a:ext>
+            </a:extLst>
+          </p:cNvPr>
+          <p:cNvPicPr>
+            <a:picLocks noChangeAspect="1"/>
+          </p:cNvPicPr>
+          <p:nvPr/>
+        </p:nvPicPr>
+        <p:blipFill>
+          <a:blip r:embed="rId2"/>
+          <a:stretch>
+            <a:fillRect/>
+          </a:stretch>
+        </p:blipFill>
+        <p:spPr>
+          <a:xfrm>
+            <a:off x="0" y="0"/>
+            <a:ext cx="6858000" cy="6858000"/>
+          </a:xfrm>
+          <a:prstGeom prst="rect">
+            <a:avLst/>
+          </a:prstGeom>
+        </p:spPr>
+      </p:pic>
+      <p:sp>
+        <p:nvSpPr>
+          <p:cNvPr id="2" name="矩形 1">
+            <a:extLst>
+              <a:ext uri="{FF2B5EF4-FFF2-40B4-BE49-F238E27FC236}">
+                <a16:creationId xmlns:a16="http://schemas.microsoft.com/office/drawing/2014/main" id="{F222371F-035D-7EA5-2314-8ACA71465D2B}"/>
+              </a:ext>
+            </a:extLst>
+          </p:cNvPr>
+          <p:cNvSpPr/>
+          <p:nvPr/>
+        </p:nvSpPr>
+        <p:spPr>
+          <a:xfrm>
+            <a:off x="516834" y="5061177"/>
+            <a:ext cx="6023113" cy="1323439"/>
+          </a:xfrm>
+          <a:prstGeom prst="rect">
+            <a:avLst/>
+          </a:prstGeom>
+          <a:solidFill>
+            <a:schemeClr val="accent2"/>
+          </a:solidFill>
+        </p:spPr>
+        <p:txBody>
+          <a:bodyPr wrap="square" lIns="91440" tIns="45720" rIns="91440" bIns="45720">
+            <a:spAutoFit/>
+          </a:bodyPr>
+          <a:lstStyle/>
+          <a:p>
+            <a:pPr algn="ctr"/>
+            <a:r>
+              <a:rPr lang="en-US" altLang="zh-TW" sz="4000" b="1" cap="none" spc="0" dirty="0">
+                <a:ln w="12700">
+                  <a:solidFill>
+                    <a:schemeClr val="tx2">
+                      <a:satMod val="155000"/>
+                    </a:schemeClr>
+                  </a:solidFill>
+                  <a:prstDash val="solid"/>
+                </a:ln>
+                <a:solidFill>
+                  <a:schemeClr val="bg2">
+                    <a:tint val="85000"/>
+                    <a:satMod val="155000"/>
+                  </a:schemeClr>
+                </a:solidFill>
+                <a:effectLst>
+                  <a:outerShdw blurRad="41275" dist="20320" dir="1800000" algn="tl" rotWithShape="0">
+                    <a:srgbClr val="000000">
+                      <a:alpha val="40000"/>
+                    </a:srgbClr>
+                  </a:outerShdw>
+                </a:effectLst>
+              </a:rPr>
+              <a:t>2.</a:t>
+            </a:r>
+            <a:r>
+              <a:rPr lang="zh-TW" altLang="en-US" sz="4000" b="1" cap="none" spc="0" dirty="0">
+                <a:ln w="12700">
+                  <a:solidFill>
+                    <a:schemeClr val="tx2">
+                      <a:satMod val="155000"/>
+                    </a:schemeClr>
+                  </a:solidFill>
+                  <a:prstDash val="solid"/>
+                </a:ln>
+                <a:solidFill>
+                  <a:schemeClr val="bg2">
+                    <a:tint val="85000"/>
+                    <a:satMod val="155000"/>
+                  </a:schemeClr>
+                </a:solidFill>
+                <a:effectLst>
+                  <a:outerShdw blurRad="41275" dist="20320" dir="1800000" algn="tl" rotWithShape="0">
+                    <a:srgbClr val="000000">
+                      <a:alpha val="40000"/>
+                    </a:srgbClr>
+                  </a:outerShdw>
+                </a:effectLst>
+              </a:rPr>
+              <a:t>阻礙：我的父母</a:t>
+            </a:r>
+            <a:endParaRPr lang="en-US" altLang="zh-TW" sz="4000" b="1" cap="none" spc="0" dirty="0">
+              <a:ln w="12700">
+                <a:solidFill>
+                  <a:schemeClr val="tx2">
+                    <a:satMod val="155000"/>
+                  </a:schemeClr>
+                </a:solidFill>
+                <a:prstDash val="solid"/>
+              </a:ln>
+              <a:solidFill>
+                <a:schemeClr val="bg2">
+                  <a:tint val="85000"/>
+                  <a:satMod val="155000"/>
+                </a:schemeClr>
+              </a:solidFill>
+              <a:effectLst>
+                <a:outerShdw blurRad="41275" dist="20320" dir="1800000" algn="tl" rotWithShape="0">
+                  <a:srgbClr val="000000">
+                    <a:alpha val="40000"/>
+                  </a:srgbClr>
+                </a:outerShdw>
+              </a:effectLst>
+            </a:endParaRPr>
+          </a:p>
+          <a:p>
+            <a:pPr algn="ctr"/>
+            <a:r>
+              <a:rPr lang="zh-TW" altLang="en-US" sz="4000" b="1" cap="none" spc="0" dirty="0">
+                <a:ln w="12700">
+                  <a:solidFill>
+                    <a:schemeClr val="tx2">
+                      <a:satMod val="155000"/>
+                    </a:schemeClr>
+                  </a:solidFill>
+                  <a:prstDash val="solid"/>
+                </a:ln>
+                <a:solidFill>
+                  <a:schemeClr val="bg2">
+                    <a:tint val="85000"/>
+                    <a:satMod val="155000"/>
+                  </a:schemeClr>
+                </a:solidFill>
+                <a:effectLst>
+                  <a:outerShdw blurRad="41275" dist="20320" dir="1800000" algn="tl" rotWithShape="0">
+                    <a:srgbClr val="000000">
+                      <a:alpha val="40000"/>
+                    </a:srgbClr>
+                  </a:outerShdw>
+                </a:effectLst>
+              </a:rPr>
+              <a:t>反對我追求這個理想</a:t>
+            </a:r>
+          </a:p>
+        </p:txBody>
+      </p:sp>
+    </p:spTree>
+    <p:extLst>
+      <p:ext uri="{BB962C8B-B14F-4D97-AF65-F5344CB8AC3E}">
+        <p14:creationId xmlns:p14="http://schemas.microsoft.com/office/powerpoint/2010/main" val="240142375"/>
+      </p:ext>
+    </p:extLst>
+  </p:cSld>
+  <p:clrMapOvr>
+    <a:masterClrMapping/>
+  </p:clrMapOvr>
+</p:sld>
+</file>
+
+<file path=ppt/slides/slide4.xml><?xml version="1.0" encoding="utf-8"?>
+<p:sld xmlns:a="http://schemas.openxmlformats.org/drawingml/2006/main" xmlns:r="http://schemas.openxmlformats.org/officeDocument/2006/relationships" xmlns:p="http://schemas.openxmlformats.org/presentationml/2006/main">
+  <p:cSld>
+    <p:bg>
+      <p:bgPr>
+        <a:gradFill>
+          <a:gsLst>
+            <a:gs pos="0">
+              <a:schemeClr val="accent1">
+                <a:lumMod val="40000"/>
+                <a:lumOff val="60000"/>
+              </a:schemeClr>
+            </a:gs>
+            <a:gs pos="46000">
+              <a:schemeClr val="accent1">
+                <a:lumMod val="95000"/>
+                <a:lumOff val="5000"/>
+              </a:schemeClr>
+            </a:gs>
+            <a:gs pos="100000">
+              <a:schemeClr val="accent1">
+                <a:lumMod val="60000"/>
+              </a:schemeClr>
+            </a:gs>
+          </a:gsLst>
+          <a:path path="circle">
+            <a:fillToRect l="50000" t="130000" r="50000" b="-30000"/>
+          </a:path>
+        </a:gradFill>
+        <a:effectLst/>
+      </p:bgPr>
+    </p:bg>
+    <p:spTree>
+      <p:nvGrpSpPr>
+        <p:cNvPr id="1" name=""/>
+        <p:cNvGrpSpPr/>
+        <p:nvPr/>
+      </p:nvGrpSpPr>
+      <p:grpSpPr>
+        <a:xfrm>
+          <a:off x="0" y="0"/>
+          <a:ext cx="0" cy="0"/>
+          <a:chOff x="0" y="0"/>
+          <a:chExt cx="0" cy="0"/>
+        </a:xfrm>
+      </p:grpSpPr>
+      <p:pic>
+        <p:nvPicPr>
+          <p:cNvPr id="3" name="圖片 2">
+            <a:extLst>
+              <a:ext uri="{FF2B5EF4-FFF2-40B4-BE49-F238E27FC236}">
+                <a16:creationId xmlns:a16="http://schemas.microsoft.com/office/drawing/2014/main" id="{9DF0A5F6-A82D-1021-6B94-59DEE9115957}"/>
+              </a:ext>
+            </a:extLst>
+          </p:cNvPr>
+          <p:cNvPicPr>
+            <a:picLocks noChangeAspect="1"/>
+          </p:cNvPicPr>
+          <p:nvPr/>
+        </p:nvPicPr>
+        <p:blipFill>
+          <a:blip r:embed="rId2"/>
+          <a:stretch>
+            <a:fillRect/>
+          </a:stretch>
+        </p:blipFill>
+        <p:spPr>
+          <a:xfrm>
+            <a:off x="0" y="0"/>
+            <a:ext cx="6858000" cy="6858000"/>
+          </a:xfrm>
+          <a:prstGeom prst="rect">
+            <a:avLst/>
+          </a:prstGeom>
+        </p:spPr>
+      </p:pic>
+      <p:sp>
+        <p:nvSpPr>
+          <p:cNvPr id="2" name="矩形 1">
+            <a:extLst>
+              <a:ext uri="{FF2B5EF4-FFF2-40B4-BE49-F238E27FC236}">
+                <a16:creationId xmlns:a16="http://schemas.microsoft.com/office/drawing/2014/main" id="{CD335808-2AEB-BCEA-ED7F-12BBB3F7331F}"/>
+              </a:ext>
+            </a:extLst>
+          </p:cNvPr>
+          <p:cNvSpPr/>
+          <p:nvPr/>
+        </p:nvSpPr>
+        <p:spPr>
+          <a:xfrm>
+            <a:off x="843500" y="4956312"/>
+            <a:ext cx="5170999" cy="1323439"/>
+          </a:xfrm>
+          <a:prstGeom prst="rect">
+            <a:avLst/>
+          </a:prstGeom>
+          <a:noFill/>
+        </p:spPr>
+        <p:txBody>
+          <a:bodyPr wrap="square" lIns="91440" tIns="45720" rIns="91440" bIns="45720">
+            <a:spAutoFit/>
+          </a:bodyPr>
+          <a:lstStyle/>
+          <a:p>
+            <a:pPr algn="ctr"/>
+            <a:r>
+              <a:rPr lang="en-US" altLang="zh-TW" sz="4000" b="1" dirty="0">
+                <a:ln w="12700">
+                  <a:solidFill>
+                    <a:schemeClr val="tx2">
+                      <a:satMod val="155000"/>
+                    </a:schemeClr>
+                  </a:solidFill>
+                  <a:prstDash val="solid"/>
+                </a:ln>
+                <a:solidFill>
+                  <a:schemeClr val="bg2">
+                    <a:tint val="85000"/>
+                    <a:satMod val="155000"/>
+                  </a:schemeClr>
+                </a:solidFill>
+                <a:effectLst>
+                  <a:outerShdw blurRad="41275" dist="20320" dir="1800000" algn="tl" rotWithShape="0">
+                    <a:srgbClr val="000000">
+                      <a:alpha val="40000"/>
+                    </a:srgbClr>
+                  </a:outerShdw>
+                </a:effectLst>
+                <a:highlight>
+                  <a:srgbClr val="800000"/>
+                </a:highlight>
+              </a:rPr>
+              <a:t>3.</a:t>
+            </a:r>
+            <a:r>
+              <a:rPr lang="zh-TW" altLang="en-US" sz="4000" b="1" dirty="0">
+                <a:ln w="12700">
+                  <a:solidFill>
+                    <a:schemeClr val="tx2">
+                      <a:satMod val="155000"/>
+                    </a:schemeClr>
+                  </a:solidFill>
+                  <a:prstDash val="solid"/>
+                </a:ln>
+                <a:solidFill>
+                  <a:schemeClr val="bg2">
+                    <a:tint val="85000"/>
+                    <a:satMod val="155000"/>
+                  </a:schemeClr>
+                </a:solidFill>
+                <a:effectLst>
+                  <a:outerShdw blurRad="41275" dist="20320" dir="1800000" algn="tl" rotWithShape="0">
+                    <a:srgbClr val="000000">
+                      <a:alpha val="40000"/>
+                    </a:srgbClr>
+                  </a:outerShdw>
+                </a:effectLst>
+                <a:highlight>
+                  <a:srgbClr val="800000"/>
+                </a:highlight>
+              </a:rPr>
+              <a:t>努力：經過一番努力，</a:t>
+            </a:r>
+            <a:r>
+              <a:rPr lang="zh-TW" altLang="en-US" sz="4000" b="1" cap="none" spc="0" dirty="0">
+                <a:ln w="12700">
+                  <a:solidFill>
+                    <a:schemeClr val="tx2">
+                      <a:satMod val="155000"/>
+                    </a:schemeClr>
+                  </a:solidFill>
+                  <a:prstDash val="solid"/>
+                </a:ln>
+                <a:solidFill>
+                  <a:schemeClr val="bg2">
+                    <a:tint val="85000"/>
+                    <a:satMod val="155000"/>
+                  </a:schemeClr>
+                </a:solidFill>
+                <a:effectLst>
+                  <a:outerShdw blurRad="41275" dist="20320" dir="1800000" algn="tl" rotWithShape="0">
+                    <a:srgbClr val="000000">
+                      <a:alpha val="40000"/>
+                    </a:srgbClr>
+                  </a:outerShdw>
+                </a:effectLst>
+                <a:highlight>
+                  <a:srgbClr val="800000"/>
+                </a:highlight>
+              </a:rPr>
+              <a:t>我終於說服他們</a:t>
+            </a:r>
+          </a:p>
+        </p:txBody>
+      </p:sp>
+    </p:spTree>
+    <p:extLst>
+      <p:ext uri="{BB962C8B-B14F-4D97-AF65-F5344CB8AC3E}">
+        <p14:creationId xmlns:p14="http://schemas.microsoft.com/office/powerpoint/2010/main" val="2230110535"/>
+      </p:ext>
+    </p:extLst>
+  </p:cSld>
+  <p:clrMapOvr>
+    <a:masterClrMapping/>
+  </p:clrMapOvr>
+</p:sld>
+</file>
+
+<file path=ppt/slides/slide5.xml><?xml version="1.0" encoding="utf-8"?>
+<p:sld xmlns:a="http://schemas.openxmlformats.org/drawingml/2006/main" xmlns:r="http://schemas.openxmlformats.org/officeDocument/2006/relationships" xmlns:p="http://schemas.openxmlformats.org/presentationml/2006/main">
+  <p:cSld>
+    <p:bg>
+      <p:bgPr>
+        <a:gradFill>
+          <a:gsLst>
+            <a:gs pos="0">
+              <a:schemeClr val="accent1">
+                <a:lumMod val="40000"/>
+                <a:lumOff val="60000"/>
+              </a:schemeClr>
+            </a:gs>
+            <a:gs pos="46000">
+              <a:schemeClr val="accent1">
+                <a:lumMod val="95000"/>
+                <a:lumOff val="5000"/>
+              </a:schemeClr>
+            </a:gs>
+            <a:gs pos="100000">
+              <a:schemeClr val="accent1">
+                <a:lumMod val="60000"/>
+              </a:schemeClr>
+            </a:gs>
+          </a:gsLst>
+          <a:path path="circle">
+            <a:fillToRect l="50000" t="130000" r="50000" b="-30000"/>
+          </a:path>
+        </a:gradFill>
+        <a:effectLst/>
+      </p:bgPr>
+    </p:bg>
+    <p:spTree>
+      <p:nvGrpSpPr>
+        <p:cNvPr id="1" name=""/>
+        <p:cNvGrpSpPr/>
+        <p:nvPr/>
+      </p:nvGrpSpPr>
+      <p:grpSpPr>
+        <a:xfrm>
+          <a:off x="0" y="0"/>
+          <a:ext cx="0" cy="0"/>
+          <a:chOff x="0" y="0"/>
+          <a:chExt cx="0" cy="0"/>
+        </a:xfrm>
+      </p:grpSpPr>
+      <p:pic>
+        <p:nvPicPr>
+          <p:cNvPr id="5" name="圖片 4">
+            <a:extLst>
+              <a:ext uri="{FF2B5EF4-FFF2-40B4-BE49-F238E27FC236}">
+                <a16:creationId xmlns:a16="http://schemas.microsoft.com/office/drawing/2014/main" id="{446E86A9-A203-CAD4-E4D5-6A9B2EEE783C}"/>
+              </a:ext>
+            </a:extLst>
+          </p:cNvPr>
+          <p:cNvPicPr>
+            <a:picLocks noChangeAspect="1"/>
+          </p:cNvPicPr>
+          <p:nvPr/>
+        </p:nvPicPr>
+        <p:blipFill>
+          <a:blip r:embed="rId2"/>
+          <a:stretch>
+            <a:fillRect/>
+          </a:stretch>
+        </p:blipFill>
+        <p:spPr>
+          <a:xfrm>
+            <a:off x="0" y="0"/>
+            <a:ext cx="6858000" cy="6858000"/>
+          </a:xfrm>
+          <a:prstGeom prst="rect">
+            <a:avLst/>
+          </a:prstGeom>
+        </p:spPr>
+      </p:pic>
+      <p:sp>
+        <p:nvSpPr>
+          <p:cNvPr id="2" name="矩形 1">
+            <a:extLst>
+              <a:ext uri="{FF2B5EF4-FFF2-40B4-BE49-F238E27FC236}">
+                <a16:creationId xmlns:a16="http://schemas.microsoft.com/office/drawing/2014/main" id="{5A23647A-64AC-1686-A53E-DD713EC2037F}"/>
+              </a:ext>
+            </a:extLst>
+          </p:cNvPr>
+          <p:cNvSpPr/>
+          <p:nvPr/>
+        </p:nvSpPr>
+        <p:spPr>
+          <a:xfrm>
+            <a:off x="267735" y="5458744"/>
+            <a:ext cx="6328976" cy="707886"/>
+          </a:xfrm>
+          <a:prstGeom prst="rect">
+            <a:avLst/>
+          </a:prstGeom>
+          <a:noFill/>
+        </p:spPr>
+        <p:txBody>
+          <a:bodyPr wrap="none" lIns="91440" tIns="45720" rIns="91440" bIns="45720">
+            <a:spAutoFit/>
+          </a:bodyPr>
+          <a:lstStyle/>
+          <a:p>
+            <a:pPr algn="ctr"/>
+            <a:r>
+              <a:rPr lang="en-US" altLang="zh-TW" sz="4000" b="1" dirty="0">
+                <a:ln w="12700">
+                  <a:solidFill>
+                    <a:schemeClr val="tx2">
+                      <a:satMod val="155000"/>
+                    </a:schemeClr>
+                  </a:solidFill>
+                  <a:prstDash val="solid"/>
+                </a:ln>
+                <a:solidFill>
+                  <a:schemeClr val="bg2">
+                    <a:tint val="85000"/>
+                    <a:satMod val="155000"/>
+                  </a:schemeClr>
+                </a:solidFill>
+                <a:effectLst>
+                  <a:outerShdw blurRad="41275" dist="20320" dir="1800000" algn="tl" rotWithShape="0">
+                    <a:srgbClr val="000000">
+                      <a:alpha val="40000"/>
+                    </a:srgbClr>
+                  </a:outerShdw>
+                </a:effectLst>
+                <a:highlight>
+                  <a:srgbClr val="800000"/>
+                </a:highlight>
+              </a:rPr>
+              <a:t>4.</a:t>
+            </a:r>
+            <a:r>
+              <a:rPr lang="zh-TW" altLang="en-US" sz="4000" b="1" dirty="0">
+                <a:ln w="12700">
+                  <a:solidFill>
+                    <a:schemeClr val="tx2">
+                      <a:satMod val="155000"/>
+                    </a:schemeClr>
+                  </a:solidFill>
+                  <a:prstDash val="solid"/>
+                </a:ln>
+                <a:solidFill>
+                  <a:schemeClr val="bg2">
+                    <a:tint val="85000"/>
+                    <a:satMod val="155000"/>
+                  </a:schemeClr>
+                </a:solidFill>
+                <a:effectLst>
+                  <a:outerShdw blurRad="41275" dist="20320" dir="1800000" algn="tl" rotWithShape="0">
+                    <a:srgbClr val="000000">
+                      <a:alpha val="40000"/>
+                    </a:srgbClr>
+                  </a:outerShdw>
+                </a:effectLst>
+                <a:highlight>
+                  <a:srgbClr val="800000"/>
+                </a:highlight>
+              </a:rPr>
+              <a:t>結果：我如願到英國進修</a:t>
+            </a:r>
+            <a:endParaRPr lang="zh-TW" altLang="en-US" sz="4000" b="1" cap="none" spc="0" dirty="0">
+              <a:ln w="12700">
+                <a:solidFill>
+                  <a:schemeClr val="tx2">
+                    <a:satMod val="155000"/>
+                  </a:schemeClr>
+                </a:solidFill>
+                <a:prstDash val="solid"/>
+              </a:ln>
+              <a:solidFill>
+                <a:schemeClr val="bg2">
+                  <a:tint val="85000"/>
+                  <a:satMod val="155000"/>
+                </a:schemeClr>
+              </a:solidFill>
+              <a:effectLst>
+                <a:outerShdw blurRad="41275" dist="20320" dir="1800000" algn="tl" rotWithShape="0">
+                  <a:srgbClr val="000000">
+                    <a:alpha val="40000"/>
+                  </a:srgbClr>
+                </a:outerShdw>
+              </a:effectLst>
+              <a:highlight>
+                <a:srgbClr val="800000"/>
+              </a:highlight>
+            </a:endParaRPr>
+          </a:p>
+        </p:txBody>
+      </p:sp>
+    </p:spTree>
+    <p:extLst>
+      <p:ext uri="{BB962C8B-B14F-4D97-AF65-F5344CB8AC3E}">
+        <p14:creationId xmlns:p14="http://schemas.microsoft.com/office/powerpoint/2010/main" val="851434248"/>
+      </p:ext>
+    </p:extLst>
+  </p:cSld>
+  <p:clrMapOvr>
+    <a:masterClrMapping/>
+  </p:clrMapOvr>
+</p:sld>
+</file>
+
+<file path=ppt/slides/slide6.xml><?xml version="1.0" encoding="utf-8"?>
+<p:sld xmlns:a="http://schemas.openxmlformats.org/drawingml/2006/main" xmlns:r="http://schemas.openxmlformats.org/officeDocument/2006/relationships" xmlns:p="http://schemas.openxmlformats.org/presentationml/2006/main">
+  <p:cSld>
+    <p:bg>
+      <p:bgPr>
+        <a:gradFill>
+          <a:gsLst>
+            <a:gs pos="0">
+              <a:schemeClr val="accent1">
+                <a:lumMod val="40000"/>
+                <a:lumOff val="60000"/>
+              </a:schemeClr>
+            </a:gs>
+            <a:gs pos="46000">
+              <a:schemeClr val="accent1">
+                <a:lumMod val="95000"/>
+                <a:lumOff val="5000"/>
+              </a:schemeClr>
+            </a:gs>
+            <a:gs pos="100000">
+              <a:schemeClr val="accent1">
+                <a:lumMod val="60000"/>
+              </a:schemeClr>
+            </a:gs>
+          </a:gsLst>
+          <a:path path="circle">
+            <a:fillToRect l="50000" t="130000" r="50000" b="-30000"/>
+          </a:path>
+        </a:gradFill>
+        <a:effectLst/>
+      </p:bgPr>
+    </p:bg>
+    <p:spTree>
+      <p:nvGrpSpPr>
+        <p:cNvPr id="1" name=""/>
+        <p:cNvGrpSpPr/>
+        <p:nvPr/>
+      </p:nvGrpSpPr>
+      <p:grpSpPr>
+        <a:xfrm>
+          <a:off x="0" y="0"/>
+          <a:ext cx="0" cy="0"/>
+          <a:chOff x="0" y="0"/>
+          <a:chExt cx="0" cy="0"/>
+        </a:xfrm>
+      </p:grpSpPr>
+      <p:pic>
+        <p:nvPicPr>
+          <p:cNvPr id="3" name="圖片 2">
+            <a:extLst>
+              <a:ext uri="{FF2B5EF4-FFF2-40B4-BE49-F238E27FC236}">
+                <a16:creationId xmlns:a16="http://schemas.microsoft.com/office/drawing/2014/main" id="{4F364010-59F7-E83B-0002-23887E94D3B5}"/>
+              </a:ext>
+            </a:extLst>
+          </p:cNvPr>
+          <p:cNvPicPr>
+            <a:picLocks noChangeAspect="1"/>
+          </p:cNvPicPr>
+          <p:nvPr/>
+        </p:nvPicPr>
+        <p:blipFill>
+          <a:blip r:embed="rId3"/>
+          <a:stretch>
+            <a:fillRect/>
+          </a:stretch>
+        </p:blipFill>
+        <p:spPr>
+          <a:xfrm>
+            <a:off x="109330" y="106018"/>
+            <a:ext cx="6858000" cy="6858000"/>
+          </a:xfrm>
+          <a:prstGeom prst="rect">
+            <a:avLst/>
+          </a:prstGeom>
+        </p:spPr>
+      </p:pic>
+      <p:sp>
+        <p:nvSpPr>
+          <p:cNvPr id="2" name="矩形 1">
+            <a:extLst>
+              <a:ext uri="{FF2B5EF4-FFF2-40B4-BE49-F238E27FC236}">
+                <a16:creationId xmlns:a16="http://schemas.microsoft.com/office/drawing/2014/main" id="{A9AB2120-B3B3-2700-1CF7-C882A60E1CDA}"/>
+              </a:ext>
+            </a:extLst>
+          </p:cNvPr>
+          <p:cNvSpPr/>
+          <p:nvPr/>
+        </p:nvSpPr>
+        <p:spPr>
+          <a:xfrm>
+            <a:off x="781878" y="4929808"/>
+            <a:ext cx="5017759" cy="1323439"/>
+          </a:xfrm>
+          <a:prstGeom prst="rect">
+            <a:avLst/>
+          </a:prstGeom>
+          <a:solidFill>
+            <a:schemeClr val="accent2"/>
+          </a:solidFill>
+        </p:spPr>
+        <p:txBody>
+          <a:bodyPr wrap="square" lIns="91440" tIns="45720" rIns="91440" bIns="45720">
+            <a:spAutoFit/>
+          </a:bodyPr>
+          <a:lstStyle/>
+          <a:p>
+            <a:pPr algn="ctr"/>
+            <a:r>
+              <a:rPr lang="en-US" altLang="zh-TW" sz="4000" b="1" cap="none" spc="0" dirty="0">
+                <a:ln w="12700">
+                  <a:solidFill>
+                    <a:schemeClr val="tx2">
+                      <a:satMod val="155000"/>
+                    </a:schemeClr>
+                  </a:solidFill>
+                  <a:prstDash val="solid"/>
+                </a:ln>
+                <a:solidFill>
+                  <a:schemeClr val="bg2">
+                    <a:tint val="85000"/>
+                    <a:satMod val="155000"/>
+                  </a:schemeClr>
+                </a:solidFill>
+                <a:effectLst>
+                  <a:outerShdw blurRad="41275" dist="20320" dir="1800000" algn="tl" rotWithShape="0">
+                    <a:srgbClr val="000000">
+                      <a:alpha val="40000"/>
+                    </a:srgbClr>
+                  </a:outerShdw>
+                </a:effectLst>
+              </a:rPr>
+              <a:t>5.</a:t>
+            </a:r>
+            <a:r>
+              <a:rPr lang="zh-TW" altLang="en-US" sz="4000" b="1" cap="none" spc="0" dirty="0">
+                <a:ln w="12700">
+                  <a:solidFill>
+                    <a:schemeClr val="tx2">
+                      <a:satMod val="155000"/>
+                    </a:schemeClr>
+                  </a:solidFill>
+                  <a:prstDash val="solid"/>
+                </a:ln>
+                <a:solidFill>
+                  <a:schemeClr val="bg2">
+                    <a:tint val="85000"/>
+                    <a:satMod val="155000"/>
+                  </a:schemeClr>
+                </a:solidFill>
+                <a:effectLst>
+                  <a:outerShdw blurRad="41275" dist="20320" dir="1800000" algn="tl" rotWithShape="0">
+                    <a:srgbClr val="000000">
+                      <a:alpha val="40000"/>
+                    </a:srgbClr>
+                  </a:outerShdw>
+                </a:effectLst>
+              </a:rPr>
+              <a:t>意外：我雖然努力但是沒有觀眾欣賞</a:t>
+            </a:r>
+          </a:p>
+        </p:txBody>
+      </p:sp>
+    </p:spTree>
+    <p:extLst>
+      <p:ext uri="{BB962C8B-B14F-4D97-AF65-F5344CB8AC3E}">
+        <p14:creationId xmlns:p14="http://schemas.microsoft.com/office/powerpoint/2010/main" val="2724201100"/>
+      </p:ext>
+    </p:extLst>
+  </p:cSld>
+  <p:clrMapOvr>
+    <a:masterClrMapping/>
+  </p:clrMapOvr>
+</p:sld>
+</file>
+
+<file path=ppt/slides/slide7.xml><?xml version="1.0" encoding="utf-8"?>
+<p:sld xmlns:a="http://schemas.openxmlformats.org/drawingml/2006/main" xmlns:r="http://schemas.openxmlformats.org/officeDocument/2006/relationships" xmlns:p="http://schemas.openxmlformats.org/presentationml/2006/main">
+  <p:cSld>
+    <p:bg>
+      <p:bgPr>
+        <a:gradFill>
+          <a:gsLst>
+            <a:gs pos="0">
+              <a:schemeClr val="accent1">
+                <a:lumMod val="40000"/>
+                <a:lumOff val="60000"/>
+              </a:schemeClr>
+            </a:gs>
+            <a:gs pos="46000">
+              <a:schemeClr val="accent1">
+                <a:lumMod val="95000"/>
+                <a:lumOff val="5000"/>
+              </a:schemeClr>
+            </a:gs>
+            <a:gs pos="100000">
+              <a:schemeClr val="accent1">
+                <a:lumMod val="60000"/>
+              </a:schemeClr>
+            </a:gs>
+          </a:gsLst>
+          <a:path path="circle">
+            <a:fillToRect l="50000" t="130000" r="50000" b="-30000"/>
+          </a:path>
+        </a:gradFill>
+        <a:effectLst/>
+      </p:bgPr>
+    </p:bg>
+    <p:spTree>
+      <p:nvGrpSpPr>
+        <p:cNvPr id="1" name=""/>
+        <p:cNvGrpSpPr/>
+        <p:nvPr/>
+      </p:nvGrpSpPr>
+      <p:grpSpPr>
+        <a:xfrm>
+          <a:off x="0" y="0"/>
+          <a:ext cx="0" cy="0"/>
+          <a:chOff x="0" y="0"/>
+          <a:chExt cx="0" cy="0"/>
+        </a:xfrm>
+      </p:grpSpPr>
+      <p:pic>
+        <p:nvPicPr>
+          <p:cNvPr id="3" name="圖片 2">
+            <a:extLst>
+              <a:ext uri="{FF2B5EF4-FFF2-40B4-BE49-F238E27FC236}">
+                <a16:creationId xmlns:a16="http://schemas.microsoft.com/office/drawing/2014/main" id="{2011E11D-427E-AD24-F158-5D1EDF22E0D1}"/>
+              </a:ext>
+            </a:extLst>
+          </p:cNvPr>
+          <p:cNvPicPr>
+            <a:picLocks noChangeAspect="1"/>
+          </p:cNvPicPr>
+          <p:nvPr/>
+        </p:nvPicPr>
+        <p:blipFill>
+          <a:blip r:embed="rId2"/>
+          <a:stretch>
+            <a:fillRect/>
+          </a:stretch>
+        </p:blipFill>
+        <p:spPr>
+          <a:xfrm>
+            <a:off x="0" y="0"/>
+            <a:ext cx="6858000" cy="6858000"/>
+          </a:xfrm>
+          <a:prstGeom prst="rect">
+            <a:avLst/>
+          </a:prstGeom>
+        </p:spPr>
+      </p:pic>
+      <p:sp>
+        <p:nvSpPr>
+          <p:cNvPr id="2" name="矩形 1">
+            <a:extLst>
+              <a:ext uri="{FF2B5EF4-FFF2-40B4-BE49-F238E27FC236}">
+                <a16:creationId xmlns:a16="http://schemas.microsoft.com/office/drawing/2014/main" id="{DC1B7152-835F-D322-6A8B-34E9AB7A36D0}"/>
+              </a:ext>
+            </a:extLst>
+          </p:cNvPr>
+          <p:cNvSpPr/>
+          <p:nvPr/>
+        </p:nvSpPr>
+        <p:spPr>
+          <a:xfrm>
+            <a:off x="410404" y="5286465"/>
+            <a:ext cx="6362639" cy="923330"/>
+          </a:xfrm>
+          <a:prstGeom prst="rect">
+            <a:avLst/>
+          </a:prstGeom>
+          <a:noFill/>
+        </p:spPr>
+        <p:txBody>
+          <a:bodyPr wrap="none" lIns="91440" tIns="45720" rIns="91440" bIns="45720">
+            <a:spAutoFit/>
+          </a:bodyPr>
+          <a:lstStyle/>
+          <a:p>
+            <a:pPr algn="ctr"/>
+            <a:r>
+              <a:rPr lang="en-US" altLang="zh-TW" sz="5400" b="1" dirty="0">
+                <a:ln w="12700">
+                  <a:solidFill>
+                    <a:schemeClr val="tx2">
+                      <a:satMod val="155000"/>
+                    </a:schemeClr>
+                  </a:solidFill>
+                  <a:prstDash val="solid"/>
+                </a:ln>
+                <a:solidFill>
+                  <a:schemeClr val="bg2">
+                    <a:tint val="85000"/>
+                    <a:satMod val="155000"/>
+                  </a:schemeClr>
+                </a:solidFill>
+                <a:effectLst>
+                  <a:outerShdw blurRad="41275" dist="20320" dir="1800000" algn="tl" rotWithShape="0">
+                    <a:srgbClr val="000000">
+                      <a:alpha val="40000"/>
+                    </a:srgbClr>
+                  </a:outerShdw>
+                </a:effectLst>
+                <a:highlight>
+                  <a:srgbClr val="800000"/>
+                </a:highlight>
+              </a:rPr>
+              <a:t>6.</a:t>
+            </a:r>
+            <a:r>
+              <a:rPr lang="zh-TW" altLang="en-US" sz="5400" b="1" dirty="0">
+                <a:ln w="12700">
+                  <a:solidFill>
+                    <a:schemeClr val="tx2">
+                      <a:satMod val="155000"/>
+                    </a:schemeClr>
+                  </a:solidFill>
+                  <a:prstDash val="solid"/>
+                </a:ln>
+                <a:solidFill>
+                  <a:schemeClr val="bg2">
+                    <a:tint val="85000"/>
+                    <a:satMod val="155000"/>
+                  </a:schemeClr>
+                </a:solidFill>
+                <a:effectLst>
+                  <a:outerShdw blurRad="41275" dist="20320" dir="1800000" algn="tl" rotWithShape="0">
+                    <a:srgbClr val="000000">
+                      <a:alpha val="40000"/>
+                    </a:srgbClr>
+                  </a:outerShdw>
+                </a:effectLst>
+                <a:highlight>
+                  <a:srgbClr val="800000"/>
+                </a:highlight>
+              </a:rPr>
+              <a:t>我調整心態再努力</a:t>
+            </a:r>
+            <a:endParaRPr lang="zh-TW" altLang="en-US" sz="5400" b="1" cap="none" spc="0" dirty="0">
+              <a:ln w="12700">
+                <a:solidFill>
+                  <a:schemeClr val="tx2">
+                    <a:satMod val="155000"/>
+                  </a:schemeClr>
+                </a:solidFill>
+                <a:prstDash val="solid"/>
+              </a:ln>
+              <a:solidFill>
+                <a:schemeClr val="bg2">
+                  <a:tint val="85000"/>
+                  <a:satMod val="155000"/>
+                </a:schemeClr>
+              </a:solidFill>
+              <a:effectLst>
+                <a:outerShdw blurRad="41275" dist="20320" dir="1800000" algn="tl" rotWithShape="0">
+                  <a:srgbClr val="000000">
+                    <a:alpha val="40000"/>
+                  </a:srgbClr>
+                </a:outerShdw>
+              </a:effectLst>
+              <a:highlight>
+                <a:srgbClr val="800000"/>
+              </a:highlight>
+            </a:endParaRPr>
+          </a:p>
+        </p:txBody>
+      </p:sp>
+    </p:spTree>
+    <p:extLst>
+      <p:ext uri="{BB962C8B-B14F-4D97-AF65-F5344CB8AC3E}">
+        <p14:creationId xmlns:p14="http://schemas.microsoft.com/office/powerpoint/2010/main" val="2639760258"/>
+      </p:ext>
+    </p:extLst>
+  </p:cSld>
+  <p:clrMapOvr>
+    <a:masterClrMapping/>
+  </p:clrMapOvr>
+</p:sld>
+</file>
+
+<file path=ppt/slides/slide8.xml><?xml version="1.0" encoding="utf-8"?>
+<p:sld xmlns:a="http://schemas.openxmlformats.org/drawingml/2006/main" xmlns:r="http://schemas.openxmlformats.org/officeDocument/2006/relationships" xmlns:p="http://schemas.openxmlformats.org/presentationml/2006/main">
+  <p:cSld>
+    <p:bg>
+      <p:bgPr>
+        <a:gradFill>
+          <a:gsLst>
+            <a:gs pos="0">
+              <a:schemeClr val="accent1">
+                <a:lumMod val="40000"/>
+                <a:lumOff val="60000"/>
+              </a:schemeClr>
+            </a:gs>
+            <a:gs pos="46000">
+              <a:schemeClr val="accent1">
+                <a:lumMod val="95000"/>
+                <a:lumOff val="5000"/>
+              </a:schemeClr>
+            </a:gs>
+            <a:gs pos="100000">
+              <a:schemeClr val="accent1">
+                <a:lumMod val="60000"/>
+              </a:schemeClr>
+            </a:gs>
+          </a:gsLst>
+          <a:path path="circle">
+            <a:fillToRect l="50000" t="130000" r="50000" b="-30000"/>
+          </a:path>
+        </a:gradFill>
+        <a:effectLst/>
+      </p:bgPr>
+    </p:bg>
+    <p:spTree>
+      <p:nvGrpSpPr>
+        <p:cNvPr id="1" name=""/>
+        <p:cNvGrpSpPr/>
+        <p:nvPr/>
+      </p:nvGrpSpPr>
+      <p:grpSpPr>
+        <a:xfrm>
+          <a:off x="0" y="0"/>
+          <a:ext cx="0" cy="0"/>
+          <a:chOff x="0" y="0"/>
+          <a:chExt cx="0" cy="0"/>
+        </a:xfrm>
+      </p:grpSpPr>
+      <p:pic>
+        <p:nvPicPr>
+          <p:cNvPr id="3" name="圖片 2">
+            <a:extLst>
+              <a:ext uri="{FF2B5EF4-FFF2-40B4-BE49-F238E27FC236}">
+                <a16:creationId xmlns:a16="http://schemas.microsoft.com/office/drawing/2014/main" id="{C4680C8B-144D-7913-4551-C9E72A4650C3}"/>
+              </a:ext>
+            </a:extLst>
+          </p:cNvPr>
+          <p:cNvPicPr>
+            <a:picLocks noChangeAspect="1"/>
+          </p:cNvPicPr>
+          <p:nvPr/>
+        </p:nvPicPr>
+        <p:blipFill>
+          <a:blip r:embed="rId2"/>
+          <a:stretch>
+            <a:fillRect/>
+          </a:stretch>
+        </p:blipFill>
+        <p:spPr>
+          <a:xfrm>
+            <a:off x="0" y="-14981"/>
+            <a:ext cx="6858000" cy="6858000"/>
+          </a:xfrm>
+          <a:prstGeom prst="rect">
+            <a:avLst/>
+          </a:prstGeom>
+        </p:spPr>
+      </p:pic>
+      <p:sp>
+        <p:nvSpPr>
+          <p:cNvPr id="2" name="文字方塊 1">
+            <a:extLst>
+              <a:ext uri="{FF2B5EF4-FFF2-40B4-BE49-F238E27FC236}">
+                <a16:creationId xmlns:a16="http://schemas.microsoft.com/office/drawing/2014/main" id="{8444D258-C3E0-D7F0-D230-8B65CB445383}"/>
+              </a:ext>
+            </a:extLst>
+          </p:cNvPr>
+          <p:cNvSpPr txBox="1"/>
+          <p:nvPr/>
+        </p:nvSpPr>
+        <p:spPr>
+          <a:xfrm>
+            <a:off x="11317357" y="4267200"/>
+            <a:ext cx="184731" cy="369332"/>
+          </a:xfrm>
+          <a:prstGeom prst="rect">
+            <a:avLst/>
+          </a:prstGeom>
+          <a:noFill/>
+        </p:spPr>
+        <p:txBody>
+          <a:bodyPr wrap="none" rtlCol="0">
+            <a:spAutoFit/>
+          </a:bodyPr>
+          <a:lstStyle/>
+          <a:p>
+            <a:endParaRPr kumimoji="1" lang="zh-TW" altLang="en-US" dirty="0"/>
+          </a:p>
+        </p:txBody>
+      </p:sp>
+      <p:sp>
+        <p:nvSpPr>
+          <p:cNvPr id="4" name="矩形 3">
+            <a:extLst>
+              <a:ext uri="{FF2B5EF4-FFF2-40B4-BE49-F238E27FC236}">
+                <a16:creationId xmlns:a16="http://schemas.microsoft.com/office/drawing/2014/main" id="{049B5B9E-824A-099D-1257-09A75FC0E42B}"/>
+              </a:ext>
+            </a:extLst>
+          </p:cNvPr>
+          <p:cNvSpPr/>
+          <p:nvPr/>
+        </p:nvSpPr>
+        <p:spPr>
+          <a:xfrm>
+            <a:off x="892071" y="4636532"/>
+            <a:ext cx="5283819" cy="1323439"/>
+          </a:xfrm>
+          <a:prstGeom prst="rect">
+            <a:avLst/>
+          </a:prstGeom>
+          <a:noFill/>
+        </p:spPr>
+        <p:txBody>
+          <a:bodyPr wrap="none" lIns="91440" tIns="45720" rIns="91440" bIns="45720">
+            <a:spAutoFit/>
+          </a:bodyPr>
+          <a:lstStyle/>
+          <a:p>
+            <a:pPr algn="ctr"/>
+            <a:r>
+              <a:rPr lang="en-US" altLang="zh-TW" sz="4000" b="1" dirty="0">
+                <a:ln w="12700">
+                  <a:solidFill>
+                    <a:schemeClr val="tx2">
+                      <a:satMod val="155000"/>
+                    </a:schemeClr>
+                  </a:solidFill>
+                  <a:prstDash val="solid"/>
+                </a:ln>
+                <a:solidFill>
+                  <a:schemeClr val="bg2">
+                    <a:tint val="85000"/>
+                    <a:satMod val="155000"/>
+                  </a:schemeClr>
+                </a:solidFill>
+                <a:effectLst>
+                  <a:outerShdw blurRad="41275" dist="20320" dir="1800000" algn="tl" rotWithShape="0">
+                    <a:srgbClr val="000000">
+                      <a:alpha val="40000"/>
+                    </a:srgbClr>
+                  </a:outerShdw>
+                </a:effectLst>
+                <a:highlight>
+                  <a:srgbClr val="800000"/>
+                </a:highlight>
+              </a:rPr>
+              <a:t>7.</a:t>
+            </a:r>
+            <a:r>
+              <a:rPr lang="zh-TW" altLang="en-US" sz="4000" b="1" dirty="0">
+                <a:ln w="12700">
+                  <a:solidFill>
+                    <a:schemeClr val="tx2">
+                      <a:satMod val="155000"/>
+                    </a:schemeClr>
+                  </a:solidFill>
+                  <a:prstDash val="solid"/>
+                </a:ln>
+                <a:solidFill>
+                  <a:schemeClr val="bg2">
+                    <a:tint val="85000"/>
+                    <a:satMod val="155000"/>
+                  </a:schemeClr>
+                </a:solidFill>
+                <a:effectLst>
+                  <a:outerShdw blurRad="41275" dist="20320" dir="1800000" algn="tl" rotWithShape="0">
+                    <a:srgbClr val="000000">
+                      <a:alpha val="40000"/>
+                    </a:srgbClr>
+                  </a:outerShdw>
+                </a:effectLst>
+                <a:highlight>
+                  <a:srgbClr val="800000"/>
+                </a:highlight>
+              </a:rPr>
+              <a:t>結局：終於得到演出</a:t>
+            </a:r>
+            <a:endParaRPr lang="en-US" altLang="zh-TW" sz="4000" b="1" dirty="0">
+              <a:ln w="12700">
+                <a:solidFill>
+                  <a:schemeClr val="tx2">
+                    <a:satMod val="155000"/>
+                  </a:schemeClr>
+                </a:solidFill>
+                <a:prstDash val="solid"/>
+              </a:ln>
+              <a:solidFill>
+                <a:schemeClr val="bg2">
+                  <a:tint val="85000"/>
+                  <a:satMod val="155000"/>
+                </a:schemeClr>
+              </a:solidFill>
+              <a:effectLst>
+                <a:outerShdw blurRad="41275" dist="20320" dir="1800000" algn="tl" rotWithShape="0">
+                  <a:srgbClr val="000000">
+                    <a:alpha val="40000"/>
+                  </a:srgbClr>
+                </a:outerShdw>
+              </a:effectLst>
+              <a:highlight>
+                <a:srgbClr val="800000"/>
+              </a:highlight>
+            </a:endParaRPr>
+          </a:p>
+          <a:p>
+            <a:pPr algn="ctr"/>
+            <a:r>
+              <a:rPr lang="zh-TW" altLang="en-US" sz="4000" b="1" dirty="0">
+                <a:ln w="12700">
+                  <a:solidFill>
+                    <a:schemeClr val="tx2">
+                      <a:satMod val="155000"/>
+                    </a:schemeClr>
+                  </a:solidFill>
+                  <a:prstDash val="solid"/>
+                </a:ln>
+                <a:solidFill>
+                  <a:schemeClr val="bg2">
+                    <a:tint val="85000"/>
+                    <a:satMod val="155000"/>
+                  </a:schemeClr>
+                </a:solidFill>
+                <a:effectLst>
+                  <a:outerShdw blurRad="41275" dist="20320" dir="1800000" algn="tl" rotWithShape="0">
+                    <a:srgbClr val="000000">
+                      <a:alpha val="40000"/>
+                    </a:srgbClr>
+                  </a:outerShdw>
+                </a:effectLst>
+                <a:highlight>
+                  <a:srgbClr val="800000"/>
+                </a:highlight>
+              </a:rPr>
+              <a:t>機會並且獲得成功</a:t>
+            </a:r>
+            <a:endParaRPr lang="zh-TW" altLang="en-US" sz="4000" b="1" cap="none" spc="0" dirty="0">
+              <a:ln w="12700">
+                <a:solidFill>
+                  <a:schemeClr val="tx2">
+                    <a:satMod val="155000"/>
+                  </a:schemeClr>
+                </a:solidFill>
+                <a:prstDash val="solid"/>
+              </a:ln>
+              <a:solidFill>
+                <a:schemeClr val="bg2">
+                  <a:tint val="85000"/>
+                  <a:satMod val="155000"/>
+                </a:schemeClr>
+              </a:solidFill>
+              <a:effectLst>
+                <a:outerShdw blurRad="41275" dist="20320" dir="1800000" algn="tl" rotWithShape="0">
+                  <a:srgbClr val="000000">
+                    <a:alpha val="40000"/>
+                  </a:srgbClr>
+                </a:outerShdw>
+              </a:effectLst>
+              <a:highlight>
+                <a:srgbClr val="800000"/>
+              </a:highlight>
+            </a:endParaRPr>
+          </a:p>
+        </p:txBody>
+      </p:sp>
+    </p:spTree>
+    <p:extLst>
+      <p:ext uri="{BB962C8B-B14F-4D97-AF65-F5344CB8AC3E}">
+        <p14:creationId xmlns:p14="http://schemas.microsoft.com/office/powerpoint/2010/main" val="4127598857"/>
       </p:ext>
     </p:extLst>
   </p:cSld>
@@ -3677,4 +5854,299 @@
     </a:ext>
   </a:extLst>
 </a:theme>
+</file>
+
+<file path=ppt/theme/theme2.xml><?xml version="1.0" encoding="utf-8"?>
+<a:theme xmlns:a="http://schemas.openxmlformats.org/drawingml/2006/main" name="Office 佈景主題">
+  <a:themeElements>
+    <a:clrScheme name="Office">
+      <a:dk1>
+        <a:sysClr val="windowText" lastClr="000000"/>
+      </a:dk1>
+      <a:lt1>
+        <a:sysClr val="window" lastClr="FFFFFF"/>
+      </a:lt1>
+      <a:dk2>
+        <a:srgbClr val="44546A"/>
+      </a:dk2>
+      <a:lt2>
+        <a:srgbClr val="E7E6E6"/>
+      </a:lt2>
+      <a:accent1>
+        <a:srgbClr val="4472C4"/>
+      </a:accent1>
+      <a:accent2>
+        <a:srgbClr val="ED7D31"/>
+      </a:accent2>
+      <a:accent3>
+        <a:srgbClr val="A5A5A5"/>
+      </a:accent3>
+      <a:accent4>
+        <a:srgbClr val="FFC000"/>
+      </a:accent4>
+      <a:accent5>
+        <a:srgbClr val="5B9BD5"/>
+      </a:accent5>
+      <a:accent6>
+        <a:srgbClr val="70AD47"/>
+      </a:accent6>
+      <a:hlink>
+        <a:srgbClr val="0563C1"/>
+      </a:hlink>
+      <a:folHlink>
+        <a:srgbClr val="954F72"/>
+      </a:folHlink>
+    </a:clrScheme>
+    <a:fontScheme name="Office">
+      <a:majorFont>
+        <a:latin typeface="Calibri Light" panose="020F0302020204030204"/>
+        <a:ea typeface=""/>
+        <a:cs typeface=""/>
+        <a:font script="Jpan" typeface="游ゴシック Light"/>
+        <a:font script="Hang" typeface="맑은 고딕"/>
+        <a:font script="Hans" typeface="等线 Light"/>
+        <a:font script="Hant" typeface="新細明體"/>
+        <a:font script="Arab" typeface="Times New Roman"/>
+        <a:font script="Hebr" typeface="Times New Roman"/>
+        <a:font script="Thai" typeface="Angsana New"/>
+        <a:font script="Ethi" typeface="Nyala"/>
+        <a:font script="Beng" typeface="Vrinda"/>
+        <a:font script="Gujr" typeface="Shruti"/>
+        <a:font script="Khmr" typeface="MoolBoran"/>
+        <a:font script="Knda" typeface="Tunga"/>
+        <a:font script="Guru" typeface="Raavi"/>
+        <a:font script="Cans" typeface="Euphemia"/>
+        <a:font script="Cher" typeface="Plantagenet Cherokee"/>
+        <a:font script="Yiii" typeface="Microsoft Yi Baiti"/>
+        <a:font script="Tibt" typeface="Microsoft Himalaya"/>
+        <a:font script="Thaa" typeface="MV Boli"/>
+        <a:font script="Deva" typeface="Mangal"/>
+        <a:font script="Telu" typeface="Gautami"/>
+        <a:font script="Taml" typeface="Latha"/>
+        <a:font script="Syrc" typeface="Estrangelo Edessa"/>
+        <a:font script="Orya" typeface="Kalinga"/>
+        <a:font script="Mlym" typeface="Kartika"/>
+        <a:font script="Laoo" typeface="DokChampa"/>
+        <a:font script="Sinh" typeface="Iskoola Pota"/>
+        <a:font script="Mong" typeface="Mongolian Baiti"/>
+        <a:font script="Viet" typeface="Times New Roman"/>
+        <a:font script="Uigh" typeface="Microsoft Uighur"/>
+        <a:font script="Geor" typeface="Sylfaen"/>
+        <a:font script="Armn" typeface="Arial"/>
+        <a:font script="Bugi" typeface="Leelawadee UI"/>
+        <a:font script="Bopo" typeface="Microsoft JhengHei"/>
+        <a:font script="Java" typeface="Javanese Text"/>
+        <a:font script="Lisu" typeface="Segoe UI"/>
+        <a:font script="Mymr" typeface="Myanmar Text"/>
+        <a:font script="Nkoo" typeface="Ebrima"/>
+        <a:font script="Olck" typeface="Nirmala UI"/>
+        <a:font script="Osma" typeface="Ebrima"/>
+        <a:font script="Phag" typeface="Phagspa"/>
+        <a:font script="Syrn" typeface="Estrangelo Edessa"/>
+        <a:font script="Syrj" typeface="Estrangelo Edessa"/>
+        <a:font script="Syre" typeface="Estrangelo Edessa"/>
+        <a:font script="Sora" typeface="Nirmala UI"/>
+        <a:font script="Tale" typeface="Microsoft Tai Le"/>
+        <a:font script="Talu" typeface="Microsoft New Tai Lue"/>
+        <a:font script="Tfng" typeface="Ebrima"/>
+      </a:majorFont>
+      <a:minorFont>
+        <a:latin typeface="Calibri" panose="020F0502020204030204"/>
+        <a:ea typeface=""/>
+        <a:cs typeface=""/>
+        <a:font script="Jpan" typeface="游ゴシック"/>
+        <a:font script="Hang" typeface="맑은 고딕"/>
+        <a:font script="Hans" typeface="等线"/>
+        <a:font script="Hant" typeface="新細明體"/>
+        <a:font script="Arab" typeface="Arial"/>
+        <a:font script="Hebr" typeface="Arial"/>
+        <a:font script="Thai" typeface="Cordia New"/>
+        <a:font script="Ethi" typeface="Nyala"/>
+        <a:font script="Beng" typeface="Vrinda"/>
+        <a:font script="Gujr" typeface="Shruti"/>
+        <a:font script="Khmr" typeface="DaunPenh"/>
+        <a:font script="Knda" typeface="Tunga"/>
+        <a:font script="Guru" typeface="Raavi"/>
+        <a:font script="Cans" typeface="Euphemia"/>
+        <a:font script="Cher" typeface="Plantagenet Cherokee"/>
+        <a:font script="Yiii" typeface="Microsoft Yi Baiti"/>
+        <a:font script="Tibt" typeface="Microsoft Himalaya"/>
+        <a:font script="Thaa" typeface="MV Boli"/>
+        <a:font script="Deva" typeface="Mangal"/>
+        <a:font script="Telu" typeface="Gautami"/>
+        <a:font script="Taml" typeface="Latha"/>
+        <a:font script="Syrc" typeface="Estrangelo Edessa"/>
+        <a:font script="Orya" typeface="Kalinga"/>
+        <a:font script="Mlym" typeface="Kartika"/>
+        <a:font script="Laoo" typeface="DokChampa"/>
+        <a:font script="Sinh" typeface="Iskoola Pota"/>
+        <a:font script="Mong" typeface="Mongolian Baiti"/>
+        <a:font script="Viet" typeface="Arial"/>
+        <a:font script="Uigh" typeface="Microsoft Uighur"/>
+        <a:font script="Geor" typeface="Sylfaen"/>
+        <a:font script="Armn" typeface="Arial"/>
+        <a:font script="Bugi" typeface="Leelawadee UI"/>
+        <a:font script="Bopo" typeface="Microsoft JhengHei"/>
+        <a:font script="Java" typeface="Javanese Text"/>
+        <a:font script="Lisu" typeface="Segoe UI"/>
+        <a:font script="Mymr" typeface="Myanmar Text"/>
+        <a:font script="Nkoo" typeface="Ebrima"/>
+        <a:font script="Olck" typeface="Nirmala UI"/>
+        <a:font script="Osma" typeface="Ebrima"/>
+        <a:font script="Phag" typeface="Phagspa"/>
+        <a:font script="Syrn" typeface="Estrangelo Edessa"/>
+        <a:font script="Syrj" typeface="Estrangelo Edessa"/>
+        <a:font script="Syre" typeface="Estrangelo Edessa"/>
+        <a:font script="Sora" typeface="Nirmala UI"/>
+        <a:font script="Tale" typeface="Microsoft Tai Le"/>
+        <a:font script="Talu" typeface="Microsoft New Tai Lue"/>
+        <a:font script="Tfng" typeface="Ebrima"/>
+      </a:minorFont>
+    </a:fontScheme>
+    <a:fmtScheme name="Office">
+      <a:fillStyleLst>
+        <a:solidFill>
+          <a:schemeClr val="phClr"/>
+        </a:solidFill>
+        <a:gradFill rotWithShape="1">
+          <a:gsLst>
+            <a:gs pos="0">
+              <a:schemeClr val="phClr">
+                <a:lumMod val="110000"/>
+                <a:satMod val="105000"/>
+                <a:tint val="67000"/>
+              </a:schemeClr>
+            </a:gs>
+            <a:gs pos="50000">
+              <a:schemeClr val="phClr">
+                <a:lumMod val="105000"/>
+                <a:satMod val="103000"/>
+                <a:tint val="73000"/>
+              </a:schemeClr>
+            </a:gs>
+            <a:gs pos="100000">
+              <a:schemeClr val="phClr">
+                <a:lumMod val="105000"/>
+                <a:satMod val="109000"/>
+                <a:tint val="81000"/>
+              </a:schemeClr>
+            </a:gs>
+          </a:gsLst>
+          <a:lin ang="5400000" scaled="0"/>
+        </a:gradFill>
+        <a:gradFill rotWithShape="1">
+          <a:gsLst>
+            <a:gs pos="0">
+              <a:schemeClr val="phClr">
+                <a:satMod val="103000"/>
+                <a:lumMod val="102000"/>
+                <a:tint val="94000"/>
+              </a:schemeClr>
+            </a:gs>
+            <a:gs pos="50000">
+              <a:schemeClr val="phClr">
+                <a:satMod val="110000"/>
+                <a:lumMod val="100000"/>
+                <a:shade val="100000"/>
+              </a:schemeClr>
+            </a:gs>
+            <a:gs pos="100000">
+              <a:schemeClr val="phClr">
+                <a:lumMod val="99000"/>
+                <a:satMod val="120000"/>
+                <a:shade val="78000"/>
+              </a:schemeClr>
+            </a:gs>
+          </a:gsLst>
+          <a:lin ang="5400000" scaled="0"/>
+        </a:gradFill>
+      </a:fillStyleLst>
+      <a:lnStyleLst>
+        <a:ln w="6350" cap="flat" cmpd="sng" algn="ctr">
+          <a:solidFill>
+            <a:schemeClr val="phClr"/>
+          </a:solidFill>
+          <a:prstDash val="solid"/>
+          <a:miter lim="800000"/>
+        </a:ln>
+        <a:ln w="12700" cap="flat" cmpd="sng" algn="ctr">
+          <a:solidFill>
+            <a:schemeClr val="phClr"/>
+          </a:solidFill>
+          <a:prstDash val="solid"/>
+          <a:miter lim="800000"/>
+        </a:ln>
+        <a:ln w="19050" cap="flat" cmpd="sng" algn="ctr">
+          <a:solidFill>
+            <a:schemeClr val="phClr"/>
+          </a:solidFill>
+          <a:prstDash val="solid"/>
+          <a:miter lim="800000"/>
+        </a:ln>
+      </a:lnStyleLst>
+      <a:effectStyleLst>
+        <a:effectStyle>
+          <a:effectLst/>
+        </a:effectStyle>
+        <a:effectStyle>
+          <a:effectLst/>
+        </a:effectStyle>
+        <a:effectStyle>
+          <a:effectLst>
+            <a:outerShdw blurRad="57150" dist="19050" dir="5400000" algn="ctr" rotWithShape="0">
+              <a:srgbClr val="000000">
+                <a:alpha val="63000"/>
+              </a:srgbClr>
+            </a:outerShdw>
+          </a:effectLst>
+        </a:effectStyle>
+      </a:effectStyleLst>
+      <a:bgFillStyleLst>
+        <a:solidFill>
+          <a:schemeClr val="phClr"/>
+        </a:solidFill>
+        <a:solidFill>
+          <a:schemeClr val="phClr">
+            <a:tint val="95000"/>
+            <a:satMod val="170000"/>
+          </a:schemeClr>
+        </a:solidFill>
+        <a:gradFill rotWithShape="1">
+          <a:gsLst>
+            <a:gs pos="0">
+              <a:schemeClr val="phClr">
+                <a:tint val="93000"/>
+                <a:satMod val="150000"/>
+                <a:shade val="98000"/>
+                <a:lumMod val="102000"/>
+              </a:schemeClr>
+            </a:gs>
+            <a:gs pos="50000">
+              <a:schemeClr val="phClr">
+                <a:tint val="98000"/>
+                <a:satMod val="130000"/>
+                <a:shade val="90000"/>
+                <a:lumMod val="103000"/>
+              </a:schemeClr>
+            </a:gs>
+            <a:gs pos="100000">
+              <a:schemeClr val="phClr">
+                <a:shade val="63000"/>
+                <a:satMod val="120000"/>
+              </a:schemeClr>
+            </a:gs>
+          </a:gsLst>
+          <a:lin ang="5400000" scaled="0"/>
+        </a:gradFill>
+      </a:bgFillStyleLst>
+    </a:fmtScheme>
+  </a:themeElements>
+  <a:objectDefaults/>
+  <a:extraClrSchemeLst/>
+  <a:extLst>
+    <a:ext uri="{05A4C25C-085E-4340-85A3-A5531E510DB2}">
+      <thm15:themeFamily xmlns:thm15="http://schemas.microsoft.com/office/thememl/2012/main" name="Office Theme" id="{62F939B6-93AF-4DB8-9C6B-D6C7DFDC589F}" vid="{4A3C46E8-61CC-4603-A589-7422A47A8E4A}"/>
+    </a:ext>
+  </a:extLst>
+</a:theme>
 </file>